--- a/Entrega 2 do vitor.pptx
+++ b/Entrega 2 do vitor.pptx
@@ -6,6 +6,7 @@
   </p:sldMasterIdLst>
   <p:sldIdLst>
     <p:sldId id="256" r:id="rId2"/>
+    <p:sldId id="257" r:id="rId3"/>
   </p:sldIdLst>
   <p:sldSz cx="12192000" cy="6858000"/>
   <p:notesSz cx="6858000" cy="9144000"/>
@@ -104,6 +105,11 @@
       </a:defRPr>
     </a:lvl9pPr>
   </p:defaultTextStyle>
+  <p:extLst>
+    <p:ext uri="{EFAFB233-063F-42B5-8137-9DF3F51BA10A}">
+      <p15:sldGuideLst xmlns:p15="http://schemas.microsoft.com/office/powerpoint/2012/main"/>
+    </p:ext>
+  </p:extLst>
 </p:presentation>
 </file>
 
@@ -254,7 +260,7 @@
           <a:p>
             <a:fld id="{CBC2059D-5F62-4943-BDDF-4BC879DEE3C0}" type="datetimeFigureOut">
               <a:rPr lang="pt-BR" smtClean="0"/>
-              <a:t>28/02/2025</a:t>
+              <a:t>21/03/2025</a:t>
             </a:fld>
             <a:endParaRPr lang="pt-BR"/>
           </a:p>
@@ -452,7 +458,7 @@
           <a:p>
             <a:fld id="{CBC2059D-5F62-4943-BDDF-4BC879DEE3C0}" type="datetimeFigureOut">
               <a:rPr lang="pt-BR" smtClean="0"/>
-              <a:t>28/02/2025</a:t>
+              <a:t>21/03/2025</a:t>
             </a:fld>
             <a:endParaRPr lang="pt-BR"/>
           </a:p>
@@ -660,7 +666,7 @@
           <a:p>
             <a:fld id="{CBC2059D-5F62-4943-BDDF-4BC879DEE3C0}" type="datetimeFigureOut">
               <a:rPr lang="pt-BR" smtClean="0"/>
-              <a:t>28/02/2025</a:t>
+              <a:t>21/03/2025</a:t>
             </a:fld>
             <a:endParaRPr lang="pt-BR"/>
           </a:p>
@@ -858,7 +864,7 @@
           <a:p>
             <a:fld id="{CBC2059D-5F62-4943-BDDF-4BC879DEE3C0}" type="datetimeFigureOut">
               <a:rPr lang="pt-BR" smtClean="0"/>
-              <a:t>28/02/2025</a:t>
+              <a:t>21/03/2025</a:t>
             </a:fld>
             <a:endParaRPr lang="pt-BR"/>
           </a:p>
@@ -1133,7 +1139,7 @@
           <a:p>
             <a:fld id="{CBC2059D-5F62-4943-BDDF-4BC879DEE3C0}" type="datetimeFigureOut">
               <a:rPr lang="pt-BR" smtClean="0"/>
-              <a:t>28/02/2025</a:t>
+              <a:t>21/03/2025</a:t>
             </a:fld>
             <a:endParaRPr lang="pt-BR"/>
           </a:p>
@@ -1398,7 +1404,7 @@
           <a:p>
             <a:fld id="{CBC2059D-5F62-4943-BDDF-4BC879DEE3C0}" type="datetimeFigureOut">
               <a:rPr lang="pt-BR" smtClean="0"/>
-              <a:t>28/02/2025</a:t>
+              <a:t>21/03/2025</a:t>
             </a:fld>
             <a:endParaRPr lang="pt-BR"/>
           </a:p>
@@ -1810,7 +1816,7 @@
           <a:p>
             <a:fld id="{CBC2059D-5F62-4943-BDDF-4BC879DEE3C0}" type="datetimeFigureOut">
               <a:rPr lang="pt-BR" smtClean="0"/>
-              <a:t>28/02/2025</a:t>
+              <a:t>21/03/2025</a:t>
             </a:fld>
             <a:endParaRPr lang="pt-BR"/>
           </a:p>
@@ -1951,7 +1957,7 @@
           <a:p>
             <a:fld id="{CBC2059D-5F62-4943-BDDF-4BC879DEE3C0}" type="datetimeFigureOut">
               <a:rPr lang="pt-BR" smtClean="0"/>
-              <a:t>28/02/2025</a:t>
+              <a:t>21/03/2025</a:t>
             </a:fld>
             <a:endParaRPr lang="pt-BR"/>
           </a:p>
@@ -2064,7 +2070,7 @@
           <a:p>
             <a:fld id="{CBC2059D-5F62-4943-BDDF-4BC879DEE3C0}" type="datetimeFigureOut">
               <a:rPr lang="pt-BR" smtClean="0"/>
-              <a:t>28/02/2025</a:t>
+              <a:t>21/03/2025</a:t>
             </a:fld>
             <a:endParaRPr lang="pt-BR"/>
           </a:p>
@@ -2375,7 +2381,7 @@
           <a:p>
             <a:fld id="{CBC2059D-5F62-4943-BDDF-4BC879DEE3C0}" type="datetimeFigureOut">
               <a:rPr lang="pt-BR" smtClean="0"/>
-              <a:t>28/02/2025</a:t>
+              <a:t>21/03/2025</a:t>
             </a:fld>
             <a:endParaRPr lang="pt-BR"/>
           </a:p>
@@ -2663,7 +2669,7 @@
           <a:p>
             <a:fld id="{CBC2059D-5F62-4943-BDDF-4BC879DEE3C0}" type="datetimeFigureOut">
               <a:rPr lang="pt-BR" smtClean="0"/>
-              <a:t>28/02/2025</a:t>
+              <a:t>21/03/2025</a:t>
             </a:fld>
             <a:endParaRPr lang="pt-BR"/>
           </a:p>
@@ -2904,7 +2910,7 @@
           <a:p>
             <a:fld id="{CBC2059D-5F62-4943-BDDF-4BC879DEE3C0}" type="datetimeFigureOut">
               <a:rPr lang="pt-BR" smtClean="0"/>
-              <a:t>28/02/2025</a:t>
+              <a:t>21/03/2025</a:t>
             </a:fld>
             <a:endParaRPr lang="pt-BR"/>
           </a:p>
@@ -3337,9 +3343,9 @@
           <p:nvPr/>
         </p:nvCxnSpPr>
         <p:spPr>
-          <a:xfrm>
-            <a:off x="3067953" y="2922816"/>
-            <a:ext cx="7686682" cy="0"/>
+          <a:xfrm flipV="1">
+            <a:off x="3067953" y="2932341"/>
+            <a:ext cx="7743832" cy="94082"/>
           </a:xfrm>
           <a:prstGeom prst="line">
             <a:avLst/>
@@ -3374,8 +3380,8 @@
         </p:nvGrpSpPr>
         <p:grpSpPr>
           <a:xfrm>
-            <a:off x="1175653" y="1868715"/>
-            <a:ext cx="1892300" cy="2108200"/>
+            <a:off x="1175653" y="1868714"/>
+            <a:ext cx="1892300" cy="2315417"/>
             <a:chOff x="787400" y="1028700"/>
             <a:chExt cx="2425700" cy="2971800"/>
           </a:xfrm>
@@ -3532,9 +3538,50 @@
             <a:bodyPr rtlCol="0" anchor="ctr"/>
             <a:lstStyle/>
             <a:p>
-              <a:pPr algn="ctr"/>
               <a:r>
-                <a:rPr lang="pt-BR" dirty="0"/>
+                <a:rPr lang="pt-BR" sz="1000" b="1" dirty="0" err="1">
+                  <a:solidFill>
+                    <a:schemeClr val="tx1"/>
+                  </a:solidFill>
+                </a:rPr>
+                <a:t>criar_usuario</a:t>
+              </a:r>
+              <a:r>
+                <a:rPr lang="pt-BR" sz="1000" b="1" dirty="0">
+                  <a:solidFill>
+                    <a:schemeClr val="tx1"/>
+                  </a:solidFill>
+                </a:rPr>
+                <a:t>()</a:t>
+              </a:r>
+            </a:p>
+            <a:p>
+              <a:r>
+                <a:rPr lang="pt-BR" sz="1000" b="1" dirty="0" err="1">
+                  <a:solidFill>
+                    <a:schemeClr val="tx1"/>
+                  </a:solidFill>
+                </a:rPr>
+                <a:t>excluir_usuario</a:t>
+              </a:r>
+              <a:r>
+                <a:rPr lang="pt-BR" sz="1000" b="1" dirty="0">
+                  <a:solidFill>
+                    <a:schemeClr val="tx1"/>
+                  </a:solidFill>
+                </a:rPr>
+                <a:t>()</a:t>
+              </a:r>
+              <a:r>
+                <a:rPr lang="pt-BR" sz="1000" b="1" dirty="0" err="1">
+                  <a:solidFill>
+                    <a:schemeClr val="tx1"/>
+                  </a:solidFill>
+                </a:rPr>
+                <a:t>void</a:t>
+              </a:r>
+              <a:r>
+                <a:rPr lang="pt-BR" sz="1000" b="1" dirty="0"/>
                 <a:t>-</a:t>
               </a:r>
             </a:p>
@@ -3556,9 +3603,9 @@
         <p:grpSpPr>
           <a:xfrm>
             <a:off x="3766453" y="1868715"/>
-            <a:ext cx="1885952" cy="2315418"/>
+            <a:ext cx="1885952" cy="2693760"/>
             <a:chOff x="787400" y="1028700"/>
-            <a:chExt cx="2425700" cy="3263903"/>
+            <a:chExt cx="2425700" cy="3797229"/>
           </a:xfrm>
         </p:grpSpPr>
         <p:sp>
@@ -3684,7 +3731,7 @@
           <p:spPr>
             <a:xfrm>
               <a:off x="787400" y="3568700"/>
-              <a:ext cx="2425700" cy="723903"/>
+              <a:ext cx="2425700" cy="1257229"/>
             </a:xfrm>
             <a:prstGeom prst="rect">
               <a:avLst/>
@@ -3713,13 +3760,20 @@
             <a:bodyPr rtlCol="0" anchor="ctr"/>
             <a:lstStyle/>
             <a:p>
+              <a:endParaRPr lang="pt-BR" sz="1000" b="1" dirty="0">
+                <a:solidFill>
+                  <a:schemeClr val="tx1"/>
+                </a:solidFill>
+              </a:endParaRPr>
+            </a:p>
+            <a:p>
               <a:r>
                 <a:rPr lang="pt-BR" sz="1000" b="1" dirty="0" err="1">
                   <a:solidFill>
                     <a:schemeClr val="tx1"/>
                   </a:solidFill>
                 </a:rPr>
-                <a:t>inserir_amigos</a:t>
+                <a:t>adicionar_amigos</a:t>
               </a:r>
               <a:r>
                 <a:rPr lang="pt-BR" sz="1000" b="1" dirty="0">
@@ -3728,20 +3782,26 @@
                   </a:solidFill>
                   <a:sym typeface="Wingdings" panose="05000000000000000000" pitchFamily="2" charset="2"/>
                 </a:rPr>
-                <a:t>:()</a:t>
+                <a:t>()</a:t>
               </a:r>
+              <a:endParaRPr lang="pt-BR" sz="1000" b="1" dirty="0"/>
+            </a:p>
+            <a:p>
               <a:r>
                 <a:rPr lang="pt-BR" sz="1000" b="1" dirty="0" err="1">
                   <a:solidFill>
                     <a:schemeClr val="tx1"/>
                   </a:solidFill>
-                  <a:sym typeface="Wingdings" panose="05000000000000000000" pitchFamily="2" charset="2"/>
                 </a:rPr>
-                <a:t>void</a:t>
+                <a:t>criar_postagens</a:t>
               </a:r>
               <a:r>
-                <a:rPr lang="pt-BR" sz="1000" b="1" dirty="0"/>
-                <a:t>-</a:t>
+                <a:rPr lang="pt-BR" sz="1000" b="1" dirty="0">
+                  <a:solidFill>
+                    <a:schemeClr val="tx1"/>
+                  </a:solidFill>
+                </a:rPr>
+                <a:t>()</a:t>
               </a:r>
             </a:p>
             <a:p>
@@ -3751,7 +3811,7 @@
                     <a:schemeClr val="tx1"/>
                   </a:solidFill>
                 </a:rPr>
-                <a:t>Inseri_postagens</a:t>
+                <a:t>inserir_comentarios</a:t>
               </a:r>
               <a:r>
                 <a:rPr lang="pt-BR" sz="1000" b="1" dirty="0">
@@ -3759,7 +3819,25 @@
                     <a:schemeClr val="tx1"/>
                   </a:solidFill>
                 </a:rPr>
-                <a:t>:()</a:t>
+                <a:t>()</a:t>
+              </a:r>
+            </a:p>
+            <a:p>
+              <a:r>
+                <a:rPr lang="pt-BR" sz="1000" b="1" dirty="0" err="1">
+                  <a:solidFill>
+                    <a:schemeClr val="tx1"/>
+                  </a:solidFill>
+                </a:rPr>
+                <a:t>excluir_postagens</a:t>
+              </a:r>
+              <a:r>
+                <a:rPr lang="pt-BR" sz="1000" b="1" dirty="0">
+                  <a:solidFill>
+                    <a:schemeClr val="tx1"/>
+                  </a:solidFill>
+                </a:rPr>
+                <a:t>()</a:t>
               </a:r>
               <a:r>
                 <a:rPr lang="pt-BR" sz="1000" b="1" dirty="0" err="1">
@@ -3782,24 +3860,24 @@
                     <a:schemeClr val="tx1"/>
                   </a:solidFill>
                 </a:rPr>
-                <a:t>Inserir_comentários</a:t>
+                <a:t>criar_perfil</a:t>
               </a:r>
               <a:r>
                 <a:rPr lang="pt-BR" sz="1000" b="1" dirty="0">
                   <a:solidFill>
                     <a:schemeClr val="tx1"/>
                   </a:solidFill>
+                  <a:sym typeface="Wingdings" panose="05000000000000000000" pitchFamily="2" charset="2"/>
                 </a:rPr>
-                <a:t>:()</a:t>
+                <a:t>()</a:t>
               </a:r>
-              <a:r>
-                <a:rPr lang="pt-BR" sz="1000" b="1" dirty="0" err="1">
-                  <a:solidFill>
-                    <a:schemeClr val="tx1"/>
-                  </a:solidFill>
-                </a:rPr>
-                <a:t>void</a:t>
-              </a:r>
+              <a:endParaRPr lang="pt-BR" sz="1000" b="1" dirty="0">
+                <a:solidFill>
+                  <a:schemeClr val="tx1"/>
+                </a:solidFill>
+              </a:endParaRPr>
+            </a:p>
+            <a:p>
               <a:endParaRPr lang="pt-BR" sz="1000" b="1" dirty="0">
                 <a:solidFill>
                   <a:schemeClr val="tx1"/>
@@ -3824,9 +3902,9 @@
         <p:grpSpPr>
           <a:xfrm>
             <a:off x="6350905" y="1868715"/>
-            <a:ext cx="1885952" cy="2108200"/>
+            <a:ext cx="1885952" cy="2533082"/>
             <a:chOff x="787400" y="1028700"/>
-            <a:chExt cx="2425700" cy="2971800"/>
+            <a:chExt cx="2425700" cy="3570731"/>
           </a:xfrm>
         </p:grpSpPr>
         <p:sp>
@@ -3952,7 +4030,7 @@
           <p:spPr>
             <a:xfrm>
               <a:off x="787400" y="3568700"/>
-              <a:ext cx="2425700" cy="431800"/>
+              <a:ext cx="2425700" cy="1030731"/>
             </a:xfrm>
             <a:prstGeom prst="rect">
               <a:avLst/>
@@ -3981,6 +4059,83 @@
             <a:bodyPr rtlCol="0" anchor="ctr"/>
             <a:lstStyle/>
             <a:p>
+              <a:endParaRPr lang="pt-BR" sz="1000" b="1" dirty="0">
+                <a:solidFill>
+                  <a:schemeClr val="tx1"/>
+                </a:solidFill>
+              </a:endParaRPr>
+            </a:p>
+            <a:p>
+              <a:endParaRPr lang="pt-BR" sz="1000" b="1" dirty="0">
+                <a:solidFill>
+                  <a:schemeClr val="tx1"/>
+                </a:solidFill>
+              </a:endParaRPr>
+            </a:p>
+            <a:p>
+              <a:r>
+                <a:rPr lang="pt-BR" sz="1000" b="1" dirty="0" err="1">
+                  <a:solidFill>
+                    <a:schemeClr val="tx1"/>
+                  </a:solidFill>
+                </a:rPr>
+                <a:t>criar_postagem</a:t>
+              </a:r>
+              <a:r>
+                <a:rPr lang="pt-BR" sz="1000" b="1" dirty="0">
+                  <a:solidFill>
+                    <a:schemeClr val="tx1"/>
+                  </a:solidFill>
+                  <a:sym typeface="Wingdings" panose="05000000000000000000" pitchFamily="2" charset="2"/>
+                </a:rPr>
+                <a:t>()</a:t>
+              </a:r>
+              <a:endParaRPr lang="pt-BR" sz="1000" b="1" dirty="0"/>
+            </a:p>
+            <a:p>
+              <a:r>
+                <a:rPr lang="pt-BR" sz="1000" b="1" dirty="0" err="1">
+                  <a:solidFill>
+                    <a:schemeClr val="tx1"/>
+                  </a:solidFill>
+                </a:rPr>
+                <a:t>excluir_postagens</a:t>
+              </a:r>
+              <a:r>
+                <a:rPr lang="pt-BR" sz="1000" b="1" dirty="0">
+                  <a:solidFill>
+                    <a:schemeClr val="tx1"/>
+                  </a:solidFill>
+                </a:rPr>
+                <a:t>()</a:t>
+              </a:r>
+            </a:p>
+            <a:p>
+              <a:r>
+                <a:rPr lang="pt-BR" sz="1000" b="1" dirty="0" err="1">
+                  <a:solidFill>
+                    <a:schemeClr val="tx1"/>
+                  </a:solidFill>
+                </a:rPr>
+                <a:t>editar_postagens</a:t>
+              </a:r>
+              <a:r>
+                <a:rPr lang="pt-BR" sz="1000" b="1" dirty="0">
+                  <a:solidFill>
+                    <a:schemeClr val="tx1"/>
+                  </a:solidFill>
+                </a:rPr>
+                <a:t>()</a:t>
+              </a:r>
+            </a:p>
+            <a:p>
+              <a:endParaRPr lang="pt-BR" sz="1000" b="1" dirty="0">
+                <a:solidFill>
+                  <a:schemeClr val="tx1"/>
+                </a:solidFill>
+              </a:endParaRPr>
+            </a:p>
+            <a:p>
               <a:pPr algn="ctr"/>
               <a:r>
                 <a:rPr lang="pt-BR" dirty="0"/>
@@ -4004,10 +4159,10 @@
         </p:nvGrpSpPr>
         <p:grpSpPr>
           <a:xfrm>
-            <a:off x="8868683" y="1868715"/>
-            <a:ext cx="1885952" cy="2108200"/>
+            <a:off x="8925833" y="1878240"/>
+            <a:ext cx="1885952" cy="2488515"/>
             <a:chOff x="787400" y="1028700"/>
-            <a:chExt cx="2425700" cy="2971800"/>
+            <a:chExt cx="2425700" cy="3507906"/>
           </a:xfrm>
         </p:grpSpPr>
         <p:sp>
@@ -4132,7 +4287,2507 @@
           </p:nvSpPr>
           <p:spPr>
             <a:xfrm>
-              <a:off x="787400" y="3568700"/>
+              <a:off x="787400" y="3568699"/>
+              <a:ext cx="2425700" cy="967907"/>
+            </a:xfrm>
+            <a:prstGeom prst="rect">
+              <a:avLst/>
+            </a:prstGeom>
+            <a:solidFill>
+              <a:schemeClr val="bg1"/>
+            </a:solidFill>
+          </p:spPr>
+          <p:style>
+            <a:lnRef idx="2">
+              <a:schemeClr val="accent1">
+                <a:shade val="15000"/>
+              </a:schemeClr>
+            </a:lnRef>
+            <a:fillRef idx="1">
+              <a:schemeClr val="accent1"/>
+            </a:fillRef>
+            <a:effectRef idx="0">
+              <a:schemeClr val="accent1"/>
+            </a:effectRef>
+            <a:fontRef idx="minor">
+              <a:schemeClr val="lt1"/>
+            </a:fontRef>
+          </p:style>
+          <p:txBody>
+            <a:bodyPr rtlCol="0" anchor="ctr"/>
+            <a:lstStyle/>
+            <a:p>
+              <a:endParaRPr lang="pt-BR" sz="1000" b="1" dirty="0">
+                <a:solidFill>
+                  <a:schemeClr val="tx1"/>
+                </a:solidFill>
+              </a:endParaRPr>
+            </a:p>
+            <a:p>
+              <a:endParaRPr lang="pt-BR" sz="1000" b="1" dirty="0">
+                <a:solidFill>
+                  <a:schemeClr val="tx1"/>
+                </a:solidFill>
+              </a:endParaRPr>
+            </a:p>
+            <a:p>
+              <a:r>
+                <a:rPr lang="pt-BR" sz="1000" b="1" dirty="0" err="1">
+                  <a:solidFill>
+                    <a:schemeClr val="tx1"/>
+                  </a:solidFill>
+                </a:rPr>
+                <a:t>criar_postagem</a:t>
+              </a:r>
+              <a:r>
+                <a:rPr lang="pt-BR" sz="1000" b="1" dirty="0">
+                  <a:solidFill>
+                    <a:schemeClr val="tx1"/>
+                  </a:solidFill>
+                  <a:sym typeface="Wingdings" panose="05000000000000000000" pitchFamily="2" charset="2"/>
+                </a:rPr>
+                <a:t>()</a:t>
+              </a:r>
+              <a:endParaRPr lang="pt-BR" sz="1000" b="1" dirty="0">
+                <a:sym typeface="Wingdings" panose="05000000000000000000" pitchFamily="2" charset="2"/>
+              </a:endParaRPr>
+            </a:p>
+            <a:p>
+              <a:r>
+                <a:rPr lang="pt-BR" sz="1000" b="1" dirty="0" err="1">
+                  <a:solidFill>
+                    <a:schemeClr val="tx1"/>
+                  </a:solidFill>
+                  <a:sym typeface="Wingdings" panose="05000000000000000000" pitchFamily="2" charset="2"/>
+                </a:rPr>
+                <a:t>exclui</a:t>
+              </a:r>
+              <a:r>
+                <a:rPr lang="pt-BR" sz="1000" b="1" dirty="0" err="1">
+                  <a:solidFill>
+                    <a:schemeClr val="tx1"/>
+                  </a:solidFill>
+                </a:rPr>
+                <a:t>r_postagens</a:t>
+              </a:r>
+              <a:r>
+                <a:rPr lang="pt-BR" sz="1000" b="1" dirty="0">
+                  <a:solidFill>
+                    <a:schemeClr val="tx1"/>
+                  </a:solidFill>
+                </a:rPr>
+                <a:t>()</a:t>
+              </a:r>
+            </a:p>
+            <a:p>
+              <a:r>
+                <a:rPr lang="pt-BR" sz="1000" b="1" dirty="0" err="1">
+                  <a:solidFill>
+                    <a:schemeClr val="tx1"/>
+                  </a:solidFill>
+                </a:rPr>
+                <a:t>editar_postagens</a:t>
+              </a:r>
+              <a:r>
+                <a:rPr lang="pt-BR" sz="1000" b="1" dirty="0">
+                  <a:solidFill>
+                    <a:schemeClr val="tx1"/>
+                  </a:solidFill>
+                </a:rPr>
+                <a:t>()</a:t>
+              </a:r>
+            </a:p>
+            <a:p>
+              <a:pPr algn="ctr"/>
+              <a:r>
+                <a:rPr lang="pt-BR" dirty="0"/>
+                <a:t>-</a:t>
+              </a:r>
+            </a:p>
+          </p:txBody>
+        </p:sp>
+      </p:grpSp>
+      <p:sp>
+        <p:nvSpPr>
+          <p:cNvPr id="30" name="Losango 29">
+            <a:extLst>
+              <a:ext uri="{FF2B5EF4-FFF2-40B4-BE49-F238E27FC236}">
+                <a16:creationId xmlns:a16="http://schemas.microsoft.com/office/drawing/2014/main" id="{7F2B9018-7949-9595-852E-A426B796C6FC}"/>
+              </a:ext>
+            </a:extLst>
+          </p:cNvPr>
+          <p:cNvSpPr/>
+          <p:nvPr/>
+        </p:nvSpPr>
+        <p:spPr>
+          <a:xfrm>
+            <a:off x="6115941" y="2886417"/>
+            <a:ext cx="228600" cy="209550"/>
+          </a:xfrm>
+          <a:prstGeom prst="diamond">
+            <a:avLst/>
+          </a:prstGeom>
+          <a:solidFill>
+            <a:schemeClr val="tx1"/>
+          </a:solidFill>
+        </p:spPr>
+        <p:style>
+          <a:lnRef idx="2">
+            <a:schemeClr val="accent1">
+              <a:shade val="15000"/>
+            </a:schemeClr>
+          </a:lnRef>
+          <a:fillRef idx="1">
+            <a:schemeClr val="accent1"/>
+          </a:fillRef>
+          <a:effectRef idx="0">
+            <a:schemeClr val="accent1"/>
+          </a:effectRef>
+          <a:fontRef idx="minor">
+            <a:schemeClr val="lt1"/>
+          </a:fontRef>
+        </p:style>
+        <p:txBody>
+          <a:bodyPr rtlCol="0" anchor="ctr"/>
+          <a:lstStyle/>
+          <a:p>
+            <a:pPr algn="ctr"/>
+            <a:endParaRPr lang="pt-BR"/>
+          </a:p>
+        </p:txBody>
+      </p:sp>
+      <p:sp>
+        <p:nvSpPr>
+          <p:cNvPr id="31" name="Losango 30">
+            <a:extLst>
+              <a:ext uri="{FF2B5EF4-FFF2-40B4-BE49-F238E27FC236}">
+                <a16:creationId xmlns:a16="http://schemas.microsoft.com/office/drawing/2014/main" id="{ED395472-A35E-979E-7A8D-C9DEE1DD4506}"/>
+              </a:ext>
+            </a:extLst>
+          </p:cNvPr>
+          <p:cNvSpPr/>
+          <p:nvPr/>
+        </p:nvSpPr>
+        <p:spPr>
+          <a:xfrm>
+            <a:off x="3533434" y="2905544"/>
+            <a:ext cx="228600" cy="209550"/>
+          </a:xfrm>
+          <a:prstGeom prst="diamond">
+            <a:avLst/>
+          </a:prstGeom>
+          <a:solidFill>
+            <a:schemeClr val="bg1"/>
+          </a:solidFill>
+        </p:spPr>
+        <p:style>
+          <a:lnRef idx="2">
+            <a:schemeClr val="accent1">
+              <a:shade val="15000"/>
+            </a:schemeClr>
+          </a:lnRef>
+          <a:fillRef idx="1">
+            <a:schemeClr val="accent1"/>
+          </a:fillRef>
+          <a:effectRef idx="0">
+            <a:schemeClr val="accent1"/>
+          </a:effectRef>
+          <a:fontRef idx="minor">
+            <a:schemeClr val="lt1"/>
+          </a:fontRef>
+        </p:style>
+        <p:txBody>
+          <a:bodyPr rtlCol="0" anchor="ctr"/>
+          <a:lstStyle/>
+          <a:p>
+            <a:pPr algn="ctr"/>
+            <a:endParaRPr lang="pt-BR"/>
+          </a:p>
+        </p:txBody>
+      </p:sp>
+      <p:sp>
+        <p:nvSpPr>
+          <p:cNvPr id="32" name="CaixaDeTexto 31">
+            <a:extLst>
+              <a:ext uri="{FF2B5EF4-FFF2-40B4-BE49-F238E27FC236}">
+                <a16:creationId xmlns:a16="http://schemas.microsoft.com/office/drawing/2014/main" id="{D6B6620F-B847-12D6-F9E4-A05311A7E32B}"/>
+              </a:ext>
+            </a:extLst>
+          </p:cNvPr>
+          <p:cNvSpPr txBox="1"/>
+          <p:nvPr/>
+        </p:nvSpPr>
+        <p:spPr>
+          <a:xfrm>
+            <a:off x="3209962" y="2823859"/>
+            <a:ext cx="438149" cy="261610"/>
+          </a:xfrm>
+          <a:prstGeom prst="rect">
+            <a:avLst/>
+          </a:prstGeom>
+          <a:noFill/>
+        </p:spPr>
+        <p:txBody>
+          <a:bodyPr wrap="square" rtlCol="0">
+            <a:spAutoFit/>
+          </a:bodyPr>
+          <a:lstStyle/>
+          <a:p>
+            <a:r>
+              <a:rPr lang="pt-BR" sz="1100" dirty="0"/>
+              <a:t>tem</a:t>
+            </a:r>
+          </a:p>
+        </p:txBody>
+      </p:sp>
+      <p:sp>
+        <p:nvSpPr>
+          <p:cNvPr id="33" name="CaixaDeTexto 32">
+            <a:extLst>
+              <a:ext uri="{FF2B5EF4-FFF2-40B4-BE49-F238E27FC236}">
+                <a16:creationId xmlns:a16="http://schemas.microsoft.com/office/drawing/2014/main" id="{844A3D09-A1F5-BAF2-67D5-A186DA4E096F}"/>
+              </a:ext>
+            </a:extLst>
+          </p:cNvPr>
+          <p:cNvSpPr txBox="1"/>
+          <p:nvPr/>
+        </p:nvSpPr>
+        <p:spPr>
+          <a:xfrm>
+            <a:off x="5832694" y="2785030"/>
+            <a:ext cx="438149" cy="261610"/>
+          </a:xfrm>
+          <a:prstGeom prst="rect">
+            <a:avLst/>
+          </a:prstGeom>
+          <a:noFill/>
+        </p:spPr>
+        <p:txBody>
+          <a:bodyPr wrap="square" rtlCol="0">
+            <a:spAutoFit/>
+          </a:bodyPr>
+          <a:lstStyle/>
+          <a:p>
+            <a:r>
+              <a:rPr lang="pt-BR" sz="1100" dirty="0"/>
+              <a:t>faz</a:t>
+            </a:r>
+          </a:p>
+        </p:txBody>
+      </p:sp>
+      <p:sp>
+        <p:nvSpPr>
+          <p:cNvPr id="34" name="CaixaDeTexto 33">
+            <a:extLst>
+              <a:ext uri="{FF2B5EF4-FFF2-40B4-BE49-F238E27FC236}">
+                <a16:creationId xmlns:a16="http://schemas.microsoft.com/office/drawing/2014/main" id="{60DDBEA3-2731-816B-8C23-C6EA67A2CEEC}"/>
+              </a:ext>
+            </a:extLst>
+          </p:cNvPr>
+          <p:cNvSpPr txBox="1"/>
+          <p:nvPr/>
+        </p:nvSpPr>
+        <p:spPr>
+          <a:xfrm>
+            <a:off x="8319626" y="2756455"/>
+            <a:ext cx="438149" cy="261610"/>
+          </a:xfrm>
+          <a:prstGeom prst="rect">
+            <a:avLst/>
+          </a:prstGeom>
+          <a:noFill/>
+        </p:spPr>
+        <p:txBody>
+          <a:bodyPr wrap="square" rtlCol="0">
+            <a:spAutoFit/>
+          </a:bodyPr>
+          <a:lstStyle/>
+          <a:p>
+            <a:r>
+              <a:rPr lang="pt-BR" sz="1100" dirty="0"/>
+              <a:t>tem</a:t>
+            </a:r>
+          </a:p>
+        </p:txBody>
+      </p:sp>
+      <p:sp>
+        <p:nvSpPr>
+          <p:cNvPr id="36" name="CaixaDeTexto 35">
+            <a:extLst>
+              <a:ext uri="{FF2B5EF4-FFF2-40B4-BE49-F238E27FC236}">
+                <a16:creationId xmlns:a16="http://schemas.microsoft.com/office/drawing/2014/main" id="{81BE9456-BB3F-CA7A-7706-DA17FBADF1A8}"/>
+              </a:ext>
+            </a:extLst>
+          </p:cNvPr>
+          <p:cNvSpPr txBox="1"/>
+          <p:nvPr/>
+        </p:nvSpPr>
+        <p:spPr>
+          <a:xfrm>
+            <a:off x="1175653" y="2245706"/>
+            <a:ext cx="1263432" cy="1384995"/>
+          </a:xfrm>
+          <a:prstGeom prst="rect">
+            <a:avLst/>
+          </a:prstGeom>
+          <a:noFill/>
+        </p:spPr>
+        <p:txBody>
+          <a:bodyPr wrap="square" rtlCol="0">
+            <a:spAutoFit/>
+          </a:bodyPr>
+          <a:lstStyle/>
+          <a:p>
+            <a:r>
+              <a:rPr lang="pt-BR" sz="1200" dirty="0"/>
+              <a:t>-   </a:t>
+            </a:r>
+            <a:r>
+              <a:rPr lang="pt-BR" sz="1200" b="1" dirty="0"/>
+              <a:t>id</a:t>
+            </a:r>
+            <a:r>
+              <a:rPr lang="pt-BR" sz="1200" dirty="0"/>
+              <a:t>: </a:t>
+            </a:r>
+            <a:r>
+              <a:rPr lang="pt-BR" sz="1200" dirty="0" err="1"/>
+              <a:t>int</a:t>
+            </a:r>
+            <a:endParaRPr lang="pt-BR" sz="1200" dirty="0"/>
+          </a:p>
+          <a:p>
+            <a:pPr marL="171450" indent="-171450">
+              <a:buFontTx/>
+              <a:buChar char="-"/>
+            </a:pPr>
+            <a:r>
+              <a:rPr lang="pt-BR" sz="1200" b="1" dirty="0"/>
+              <a:t>nome: </a:t>
+            </a:r>
+            <a:r>
+              <a:rPr lang="pt-BR" sz="1200" dirty="0" err="1"/>
+              <a:t>str</a:t>
+            </a:r>
+            <a:endParaRPr lang="pt-BR" sz="1200" dirty="0"/>
+          </a:p>
+          <a:p>
+            <a:pPr marL="171450" indent="-171450">
+              <a:buFontTx/>
+              <a:buChar char="-"/>
+            </a:pPr>
+            <a:r>
+              <a:rPr lang="pt-BR" sz="1200" b="1" dirty="0" err="1"/>
+              <a:t>cnpj</a:t>
+            </a:r>
+            <a:r>
+              <a:rPr lang="pt-BR" sz="1200" b="1" dirty="0"/>
+              <a:t>:</a:t>
+            </a:r>
+            <a:r>
+              <a:rPr lang="pt-BR" sz="1200" dirty="0"/>
+              <a:t> </a:t>
+            </a:r>
+            <a:r>
+              <a:rPr lang="pt-BR" sz="1200" dirty="0" err="1"/>
+              <a:t>int</a:t>
+            </a:r>
+            <a:endParaRPr lang="pt-BR" sz="1200" dirty="0"/>
+          </a:p>
+          <a:p>
+            <a:pPr marL="171450" indent="-171450">
+              <a:buFontTx/>
+              <a:buChar char="-"/>
+            </a:pPr>
+            <a:r>
+              <a:rPr lang="pt-BR" sz="1200" b="1" dirty="0"/>
+              <a:t>perfil: </a:t>
+            </a:r>
+            <a:r>
+              <a:rPr lang="pt-BR" sz="1200" dirty="0" err="1"/>
+              <a:t>usuario</a:t>
+            </a:r>
+            <a:endParaRPr lang="pt-BR" sz="1200" dirty="0"/>
+          </a:p>
+          <a:p>
+            <a:pPr marL="171450" indent="-171450">
+              <a:buFontTx/>
+              <a:buChar char="-"/>
+            </a:pPr>
+            <a:endParaRPr lang="pt-BR" sz="1200" dirty="0"/>
+          </a:p>
+          <a:p>
+            <a:endParaRPr lang="pt-BR" sz="1200" dirty="0"/>
+          </a:p>
+          <a:p>
+            <a:pPr marL="285750" indent="-285750">
+              <a:buFontTx/>
+              <a:buChar char="-"/>
+            </a:pPr>
+            <a:endParaRPr lang="pt-BR" sz="1200" dirty="0"/>
+          </a:p>
+        </p:txBody>
+      </p:sp>
+      <p:sp>
+        <p:nvSpPr>
+          <p:cNvPr id="37" name="Triângulo isósceles 36">
+            <a:extLst>
+              <a:ext uri="{FF2B5EF4-FFF2-40B4-BE49-F238E27FC236}">
+                <a16:creationId xmlns:a16="http://schemas.microsoft.com/office/drawing/2014/main" id="{75BC3DDB-07BF-1413-E780-1CCDD8FEEB86}"/>
+              </a:ext>
+            </a:extLst>
+          </p:cNvPr>
+          <p:cNvSpPr/>
+          <p:nvPr/>
+        </p:nvSpPr>
+        <p:spPr>
+          <a:xfrm rot="5400000">
+            <a:off x="3623790" y="2771265"/>
+            <a:ext cx="144574" cy="93552"/>
+          </a:xfrm>
+          <a:prstGeom prst="triangle">
+            <a:avLst/>
+          </a:prstGeom>
+          <a:solidFill>
+            <a:schemeClr val="tx1"/>
+          </a:solidFill>
+        </p:spPr>
+        <p:style>
+          <a:lnRef idx="2">
+            <a:schemeClr val="accent1">
+              <a:shade val="15000"/>
+            </a:schemeClr>
+          </a:lnRef>
+          <a:fillRef idx="1">
+            <a:schemeClr val="accent1"/>
+          </a:fillRef>
+          <a:effectRef idx="0">
+            <a:schemeClr val="accent1"/>
+          </a:effectRef>
+          <a:fontRef idx="minor">
+            <a:schemeClr val="lt1"/>
+          </a:fontRef>
+        </p:style>
+        <p:txBody>
+          <a:bodyPr rtlCol="0" anchor="ctr"/>
+          <a:lstStyle/>
+          <a:p>
+            <a:pPr algn="ctr"/>
+            <a:endParaRPr lang="pt-BR"/>
+          </a:p>
+        </p:txBody>
+      </p:sp>
+      <p:sp>
+        <p:nvSpPr>
+          <p:cNvPr id="39" name="CaixaDeTexto 38">
+            <a:extLst>
+              <a:ext uri="{FF2B5EF4-FFF2-40B4-BE49-F238E27FC236}">
+                <a16:creationId xmlns:a16="http://schemas.microsoft.com/office/drawing/2014/main" id="{3F9D1544-24BF-D105-EB27-DE6B7D1F3EFD}"/>
+              </a:ext>
+            </a:extLst>
+          </p:cNvPr>
+          <p:cNvSpPr txBox="1"/>
+          <p:nvPr/>
+        </p:nvSpPr>
+        <p:spPr>
+          <a:xfrm>
+            <a:off x="3487772" y="2502797"/>
+            <a:ext cx="556529" cy="246221"/>
+          </a:xfrm>
+          <a:prstGeom prst="rect">
+            <a:avLst/>
+          </a:prstGeom>
+          <a:noFill/>
+        </p:spPr>
+        <p:txBody>
+          <a:bodyPr wrap="square">
+            <a:spAutoFit/>
+          </a:bodyPr>
+          <a:lstStyle/>
+          <a:p>
+            <a:r>
+              <a:rPr lang="pt-BR" sz="1000" dirty="0"/>
+              <a:t>1..*</a:t>
+            </a:r>
+          </a:p>
+        </p:txBody>
+      </p:sp>
+      <p:sp>
+        <p:nvSpPr>
+          <p:cNvPr id="40" name="CaixaDeTexto 39">
+            <a:extLst>
+              <a:ext uri="{FF2B5EF4-FFF2-40B4-BE49-F238E27FC236}">
+                <a16:creationId xmlns:a16="http://schemas.microsoft.com/office/drawing/2014/main" id="{F85E57E9-2AE3-19BF-F1E9-1BFEDE4C6C55}"/>
+              </a:ext>
+            </a:extLst>
+          </p:cNvPr>
+          <p:cNvSpPr txBox="1"/>
+          <p:nvPr/>
+        </p:nvSpPr>
+        <p:spPr>
+          <a:xfrm>
+            <a:off x="6061622" y="2485776"/>
+            <a:ext cx="556529" cy="246221"/>
+          </a:xfrm>
+          <a:prstGeom prst="rect">
+            <a:avLst/>
+          </a:prstGeom>
+          <a:noFill/>
+        </p:spPr>
+        <p:txBody>
+          <a:bodyPr wrap="square">
+            <a:spAutoFit/>
+          </a:bodyPr>
+          <a:lstStyle/>
+          <a:p>
+            <a:r>
+              <a:rPr lang="pt-BR" sz="1000" dirty="0"/>
+              <a:t>0..*</a:t>
+            </a:r>
+          </a:p>
+        </p:txBody>
+      </p:sp>
+      <p:sp>
+        <p:nvSpPr>
+          <p:cNvPr id="42" name="CaixaDeTexto 41">
+            <a:extLst>
+              <a:ext uri="{FF2B5EF4-FFF2-40B4-BE49-F238E27FC236}">
+                <a16:creationId xmlns:a16="http://schemas.microsoft.com/office/drawing/2014/main" id="{4016BA30-F796-C7F5-934A-DC8F9F25BE28}"/>
+              </a:ext>
+            </a:extLst>
+          </p:cNvPr>
+          <p:cNvSpPr txBox="1"/>
+          <p:nvPr/>
+        </p:nvSpPr>
+        <p:spPr>
+          <a:xfrm>
+            <a:off x="3019425" y="2510848"/>
+            <a:ext cx="307524" cy="261610"/>
+          </a:xfrm>
+          <a:prstGeom prst="rect">
+            <a:avLst/>
+          </a:prstGeom>
+          <a:noFill/>
+        </p:spPr>
+        <p:txBody>
+          <a:bodyPr wrap="square">
+            <a:spAutoFit/>
+          </a:bodyPr>
+          <a:lstStyle/>
+          <a:p>
+            <a:r>
+              <a:rPr lang="pt-BR" sz="1050" dirty="0"/>
+              <a:t>1</a:t>
+            </a:r>
+          </a:p>
+        </p:txBody>
+      </p:sp>
+      <p:sp>
+        <p:nvSpPr>
+          <p:cNvPr id="43" name="Losango 42">
+            <a:extLst>
+              <a:ext uri="{FF2B5EF4-FFF2-40B4-BE49-F238E27FC236}">
+                <a16:creationId xmlns:a16="http://schemas.microsoft.com/office/drawing/2014/main" id="{F2D5BD1D-68BA-839F-4908-ABD55105733C}"/>
+              </a:ext>
+            </a:extLst>
+          </p:cNvPr>
+          <p:cNvSpPr/>
+          <p:nvPr/>
+        </p:nvSpPr>
+        <p:spPr>
+          <a:xfrm>
+            <a:off x="9238906" y="416072"/>
+            <a:ext cx="228600" cy="209550"/>
+          </a:xfrm>
+          <a:prstGeom prst="diamond">
+            <a:avLst/>
+          </a:prstGeom>
+          <a:solidFill>
+            <a:schemeClr val="tx1"/>
+          </a:solidFill>
+        </p:spPr>
+        <p:style>
+          <a:lnRef idx="2">
+            <a:schemeClr val="accent1">
+              <a:shade val="15000"/>
+            </a:schemeClr>
+          </a:lnRef>
+          <a:fillRef idx="1">
+            <a:schemeClr val="accent1"/>
+          </a:fillRef>
+          <a:effectRef idx="0">
+            <a:schemeClr val="accent1"/>
+          </a:effectRef>
+          <a:fontRef idx="minor">
+            <a:schemeClr val="lt1"/>
+          </a:fontRef>
+        </p:style>
+        <p:txBody>
+          <a:bodyPr rtlCol="0" anchor="ctr"/>
+          <a:lstStyle/>
+          <a:p>
+            <a:pPr algn="ctr"/>
+            <a:endParaRPr lang="pt-BR"/>
+          </a:p>
+        </p:txBody>
+      </p:sp>
+      <p:sp>
+        <p:nvSpPr>
+          <p:cNvPr id="44" name="CaixaDeTexto 43">
+            <a:extLst>
+              <a:ext uri="{FF2B5EF4-FFF2-40B4-BE49-F238E27FC236}">
+                <a16:creationId xmlns:a16="http://schemas.microsoft.com/office/drawing/2014/main" id="{4B5075AE-1BA5-8807-ED10-53ECD7D023BC}"/>
+              </a:ext>
+            </a:extLst>
+          </p:cNvPr>
+          <p:cNvSpPr txBox="1"/>
+          <p:nvPr/>
+        </p:nvSpPr>
+        <p:spPr>
+          <a:xfrm>
+            <a:off x="9523398" y="336181"/>
+            <a:ext cx="1391407" cy="369332"/>
+          </a:xfrm>
+          <a:prstGeom prst="rect">
+            <a:avLst/>
+          </a:prstGeom>
+          <a:noFill/>
+        </p:spPr>
+        <p:txBody>
+          <a:bodyPr wrap="none" rtlCol="0">
+            <a:spAutoFit/>
+          </a:bodyPr>
+          <a:lstStyle/>
+          <a:p>
+            <a:r>
+              <a:rPr lang="pt-BR" dirty="0"/>
+              <a:t>Composição:</a:t>
+            </a:r>
+          </a:p>
+        </p:txBody>
+      </p:sp>
+      <p:sp>
+        <p:nvSpPr>
+          <p:cNvPr id="45" name="Losango 44">
+            <a:extLst>
+              <a:ext uri="{FF2B5EF4-FFF2-40B4-BE49-F238E27FC236}">
+                <a16:creationId xmlns:a16="http://schemas.microsoft.com/office/drawing/2014/main" id="{66FF3629-9F8A-2D5F-31C5-05EEC5A2508C}"/>
+              </a:ext>
+            </a:extLst>
+          </p:cNvPr>
+          <p:cNvSpPr/>
+          <p:nvPr/>
+        </p:nvSpPr>
+        <p:spPr>
+          <a:xfrm>
+            <a:off x="9240922" y="825647"/>
+            <a:ext cx="228600" cy="209550"/>
+          </a:xfrm>
+          <a:prstGeom prst="diamond">
+            <a:avLst/>
+          </a:prstGeom>
+          <a:solidFill>
+            <a:schemeClr val="bg1"/>
+          </a:solidFill>
+        </p:spPr>
+        <p:style>
+          <a:lnRef idx="2">
+            <a:schemeClr val="accent1">
+              <a:shade val="15000"/>
+            </a:schemeClr>
+          </a:lnRef>
+          <a:fillRef idx="1">
+            <a:schemeClr val="accent1"/>
+          </a:fillRef>
+          <a:effectRef idx="0">
+            <a:schemeClr val="accent1"/>
+          </a:effectRef>
+          <a:fontRef idx="minor">
+            <a:schemeClr val="lt1"/>
+          </a:fontRef>
+        </p:style>
+        <p:txBody>
+          <a:bodyPr rtlCol="0" anchor="ctr"/>
+          <a:lstStyle/>
+          <a:p>
+            <a:pPr algn="ctr"/>
+            <a:endParaRPr lang="pt-BR"/>
+          </a:p>
+        </p:txBody>
+      </p:sp>
+      <p:sp>
+        <p:nvSpPr>
+          <p:cNvPr id="46" name="CaixaDeTexto 45">
+            <a:extLst>
+              <a:ext uri="{FF2B5EF4-FFF2-40B4-BE49-F238E27FC236}">
+                <a16:creationId xmlns:a16="http://schemas.microsoft.com/office/drawing/2014/main" id="{3DDE3DAC-D404-7D68-A062-BCB5014167DF}"/>
+              </a:ext>
+            </a:extLst>
+          </p:cNvPr>
+          <p:cNvSpPr txBox="1"/>
+          <p:nvPr/>
+        </p:nvSpPr>
+        <p:spPr>
+          <a:xfrm>
+            <a:off x="9550715" y="745756"/>
+            <a:ext cx="1225400" cy="369332"/>
+          </a:xfrm>
+          <a:prstGeom prst="rect">
+            <a:avLst/>
+          </a:prstGeom>
+          <a:noFill/>
+        </p:spPr>
+        <p:txBody>
+          <a:bodyPr wrap="none" rtlCol="0">
+            <a:spAutoFit/>
+          </a:bodyPr>
+          <a:lstStyle/>
+          <a:p>
+            <a:r>
+              <a:rPr lang="pt-BR" dirty="0"/>
+              <a:t>Agregação:</a:t>
+            </a:r>
+          </a:p>
+        </p:txBody>
+      </p:sp>
+      <p:cxnSp>
+        <p:nvCxnSpPr>
+          <p:cNvPr id="47" name="Conector reto 46">
+            <a:extLst>
+              <a:ext uri="{FF2B5EF4-FFF2-40B4-BE49-F238E27FC236}">
+                <a16:creationId xmlns:a16="http://schemas.microsoft.com/office/drawing/2014/main" id="{5483351E-217D-60D4-651F-12C5913F266D}"/>
+              </a:ext>
+            </a:extLst>
+          </p:cNvPr>
+          <p:cNvCxnSpPr>
+            <a:cxnSpLocks/>
+          </p:cNvCxnSpPr>
+          <p:nvPr/>
+        </p:nvCxnSpPr>
+        <p:spPr>
+          <a:xfrm>
+            <a:off x="9238125" y="1311422"/>
+            <a:ext cx="237648" cy="0"/>
+          </a:xfrm>
+          <a:prstGeom prst="line">
+            <a:avLst/>
+          </a:prstGeom>
+        </p:spPr>
+        <p:style>
+          <a:lnRef idx="3">
+            <a:schemeClr val="dk1"/>
+          </a:lnRef>
+          <a:fillRef idx="0">
+            <a:schemeClr val="dk1"/>
+          </a:fillRef>
+          <a:effectRef idx="2">
+            <a:schemeClr val="dk1"/>
+          </a:effectRef>
+          <a:fontRef idx="minor">
+            <a:schemeClr val="tx1"/>
+          </a:fontRef>
+        </p:style>
+      </p:cxnSp>
+      <p:sp>
+        <p:nvSpPr>
+          <p:cNvPr id="49" name="CaixaDeTexto 48">
+            <a:extLst>
+              <a:ext uri="{FF2B5EF4-FFF2-40B4-BE49-F238E27FC236}">
+                <a16:creationId xmlns:a16="http://schemas.microsoft.com/office/drawing/2014/main" id="{64A2324C-C261-AF49-3D18-D0B049EDEAAA}"/>
+              </a:ext>
+            </a:extLst>
+          </p:cNvPr>
+          <p:cNvSpPr txBox="1"/>
+          <p:nvPr/>
+        </p:nvSpPr>
+        <p:spPr>
+          <a:xfrm>
+            <a:off x="9541190" y="1117231"/>
+            <a:ext cx="1324080" cy="369332"/>
+          </a:xfrm>
+          <a:prstGeom prst="rect">
+            <a:avLst/>
+          </a:prstGeom>
+          <a:noFill/>
+        </p:spPr>
+        <p:txBody>
+          <a:bodyPr wrap="none" rtlCol="0">
+            <a:spAutoFit/>
+          </a:bodyPr>
+          <a:lstStyle/>
+          <a:p>
+            <a:r>
+              <a:rPr lang="pt-BR" dirty="0"/>
+              <a:t>Associação: </a:t>
+            </a:r>
+          </a:p>
+        </p:txBody>
+      </p:sp>
+      <p:sp>
+        <p:nvSpPr>
+          <p:cNvPr id="50" name="Losango 49">
+            <a:extLst>
+              <a:ext uri="{FF2B5EF4-FFF2-40B4-BE49-F238E27FC236}">
+                <a16:creationId xmlns:a16="http://schemas.microsoft.com/office/drawing/2014/main" id="{9FB0984B-5D38-D0F9-1A4C-2944AC770BD9}"/>
+              </a:ext>
+            </a:extLst>
+          </p:cNvPr>
+          <p:cNvSpPr/>
+          <p:nvPr/>
+        </p:nvSpPr>
+        <p:spPr>
+          <a:xfrm>
+            <a:off x="8687708" y="2846730"/>
+            <a:ext cx="228600" cy="209550"/>
+          </a:xfrm>
+          <a:prstGeom prst="diamond">
+            <a:avLst/>
+          </a:prstGeom>
+          <a:solidFill>
+            <a:schemeClr val="tx1"/>
+          </a:solidFill>
+        </p:spPr>
+        <p:style>
+          <a:lnRef idx="2">
+            <a:schemeClr val="accent1">
+              <a:shade val="15000"/>
+            </a:schemeClr>
+          </a:lnRef>
+          <a:fillRef idx="1">
+            <a:schemeClr val="accent1"/>
+          </a:fillRef>
+          <a:effectRef idx="0">
+            <a:schemeClr val="accent1"/>
+          </a:effectRef>
+          <a:fontRef idx="minor">
+            <a:schemeClr val="lt1"/>
+          </a:fontRef>
+        </p:style>
+        <p:txBody>
+          <a:bodyPr rtlCol="0" anchor="ctr"/>
+          <a:lstStyle/>
+          <a:p>
+            <a:pPr algn="ctr"/>
+            <a:endParaRPr lang="pt-BR"/>
+          </a:p>
+        </p:txBody>
+      </p:sp>
+      <p:sp>
+        <p:nvSpPr>
+          <p:cNvPr id="51" name="Triângulo isósceles 50">
+            <a:extLst>
+              <a:ext uri="{FF2B5EF4-FFF2-40B4-BE49-F238E27FC236}">
+                <a16:creationId xmlns:a16="http://schemas.microsoft.com/office/drawing/2014/main" id="{D1C3C807-9202-84FF-E1DB-88DFFDD6C765}"/>
+              </a:ext>
+            </a:extLst>
+          </p:cNvPr>
+          <p:cNvSpPr/>
+          <p:nvPr/>
+        </p:nvSpPr>
+        <p:spPr>
+          <a:xfrm rot="5400000">
+            <a:off x="6233305" y="2757941"/>
+            <a:ext cx="144574" cy="93552"/>
+          </a:xfrm>
+          <a:prstGeom prst="triangle">
+            <a:avLst/>
+          </a:prstGeom>
+          <a:solidFill>
+            <a:schemeClr val="tx1"/>
+          </a:solidFill>
+        </p:spPr>
+        <p:style>
+          <a:lnRef idx="2">
+            <a:schemeClr val="accent1">
+              <a:shade val="15000"/>
+            </a:schemeClr>
+          </a:lnRef>
+          <a:fillRef idx="1">
+            <a:schemeClr val="accent1"/>
+          </a:fillRef>
+          <a:effectRef idx="0">
+            <a:schemeClr val="accent1"/>
+          </a:effectRef>
+          <a:fontRef idx="minor">
+            <a:schemeClr val="lt1"/>
+          </a:fontRef>
+        </p:style>
+        <p:txBody>
+          <a:bodyPr rtlCol="0" anchor="ctr"/>
+          <a:lstStyle/>
+          <a:p>
+            <a:pPr algn="ctr"/>
+            <a:endParaRPr lang="pt-BR"/>
+          </a:p>
+        </p:txBody>
+      </p:sp>
+      <p:sp>
+        <p:nvSpPr>
+          <p:cNvPr id="52" name="CaixaDeTexto 51">
+            <a:extLst>
+              <a:ext uri="{FF2B5EF4-FFF2-40B4-BE49-F238E27FC236}">
+                <a16:creationId xmlns:a16="http://schemas.microsoft.com/office/drawing/2014/main" id="{B87125B6-6A9D-02BC-C14F-C7E1657FC10A}"/>
+              </a:ext>
+            </a:extLst>
+          </p:cNvPr>
+          <p:cNvSpPr txBox="1"/>
+          <p:nvPr/>
+        </p:nvSpPr>
+        <p:spPr>
+          <a:xfrm>
+            <a:off x="8639740" y="2475810"/>
+            <a:ext cx="556529" cy="246221"/>
+          </a:xfrm>
+          <a:prstGeom prst="rect">
+            <a:avLst/>
+          </a:prstGeom>
+          <a:noFill/>
+        </p:spPr>
+        <p:txBody>
+          <a:bodyPr wrap="square">
+            <a:spAutoFit/>
+          </a:bodyPr>
+          <a:lstStyle/>
+          <a:p>
+            <a:r>
+              <a:rPr lang="pt-BR" sz="1000" dirty="0"/>
+              <a:t>0..*</a:t>
+            </a:r>
+          </a:p>
+        </p:txBody>
+      </p:sp>
+      <p:sp>
+        <p:nvSpPr>
+          <p:cNvPr id="53" name="CaixaDeTexto 52">
+            <a:extLst>
+              <a:ext uri="{FF2B5EF4-FFF2-40B4-BE49-F238E27FC236}">
+                <a16:creationId xmlns:a16="http://schemas.microsoft.com/office/drawing/2014/main" id="{7030C805-9DE7-641E-27B1-8999D0863B20}"/>
+              </a:ext>
+            </a:extLst>
+          </p:cNvPr>
+          <p:cNvSpPr txBox="1"/>
+          <p:nvPr/>
+        </p:nvSpPr>
+        <p:spPr>
+          <a:xfrm>
+            <a:off x="4980012" y="625606"/>
+            <a:ext cx="1629164" cy="369332"/>
+          </a:xfrm>
+          <a:prstGeom prst="rect">
+            <a:avLst/>
+          </a:prstGeom>
+          <a:noFill/>
+        </p:spPr>
+        <p:txBody>
+          <a:bodyPr wrap="none" rtlCol="0">
+            <a:spAutoFit/>
+          </a:bodyPr>
+          <a:lstStyle/>
+          <a:p>
+            <a:r>
+              <a:rPr lang="pt-BR" dirty="0"/>
+              <a:t>Entrega 2: UML</a:t>
+            </a:r>
+          </a:p>
+        </p:txBody>
+      </p:sp>
+      <p:pic>
+        <p:nvPicPr>
+          <p:cNvPr id="54" name="Imagem 53">
+            <a:extLst>
+              <a:ext uri="{FF2B5EF4-FFF2-40B4-BE49-F238E27FC236}">
+                <a16:creationId xmlns:a16="http://schemas.microsoft.com/office/drawing/2014/main" id="{D9BDB729-49A3-9801-3224-713B746FE573}"/>
+              </a:ext>
+            </a:extLst>
+          </p:cNvPr>
+          <p:cNvPicPr>
+            <a:picLocks noChangeAspect="1"/>
+          </p:cNvPicPr>
+          <p:nvPr/>
+        </p:nvPicPr>
+        <p:blipFill>
+          <a:blip r:embed="rId2"/>
+          <a:stretch>
+            <a:fillRect/>
+          </a:stretch>
+        </p:blipFill>
+        <p:spPr>
+          <a:xfrm>
+            <a:off x="5206182" y="375516"/>
+            <a:ext cx="1186217" cy="395406"/>
+          </a:xfrm>
+          <a:prstGeom prst="rect">
+            <a:avLst/>
+          </a:prstGeom>
+        </p:spPr>
+      </p:pic>
+      <p:sp>
+        <p:nvSpPr>
+          <p:cNvPr id="55" name="CaixaDeTexto 54">
+            <a:extLst>
+              <a:ext uri="{FF2B5EF4-FFF2-40B4-BE49-F238E27FC236}">
+                <a16:creationId xmlns:a16="http://schemas.microsoft.com/office/drawing/2014/main" id="{58B2E534-0DF7-D982-DA20-A47B50102005}"/>
+              </a:ext>
+            </a:extLst>
+          </p:cNvPr>
+          <p:cNvSpPr txBox="1"/>
+          <p:nvPr/>
+        </p:nvSpPr>
+        <p:spPr>
+          <a:xfrm>
+            <a:off x="5640155" y="2499869"/>
+            <a:ext cx="307524" cy="261610"/>
+          </a:xfrm>
+          <a:prstGeom prst="rect">
+            <a:avLst/>
+          </a:prstGeom>
+          <a:noFill/>
+        </p:spPr>
+        <p:txBody>
+          <a:bodyPr wrap="square">
+            <a:spAutoFit/>
+          </a:bodyPr>
+          <a:lstStyle/>
+          <a:p>
+            <a:r>
+              <a:rPr lang="pt-BR" sz="1050" dirty="0"/>
+              <a:t>1</a:t>
+            </a:r>
+          </a:p>
+        </p:txBody>
+      </p:sp>
+      <p:sp>
+        <p:nvSpPr>
+          <p:cNvPr id="56" name="CaixaDeTexto 55">
+            <a:extLst>
+              <a:ext uri="{FF2B5EF4-FFF2-40B4-BE49-F238E27FC236}">
+                <a16:creationId xmlns:a16="http://schemas.microsoft.com/office/drawing/2014/main" id="{C8072D21-AF52-1C94-0C08-32D614C5282F}"/>
+              </a:ext>
+            </a:extLst>
+          </p:cNvPr>
+          <p:cNvSpPr txBox="1"/>
+          <p:nvPr/>
+        </p:nvSpPr>
+        <p:spPr>
+          <a:xfrm>
+            <a:off x="8186057" y="2473250"/>
+            <a:ext cx="307524" cy="261610"/>
+          </a:xfrm>
+          <a:prstGeom prst="rect">
+            <a:avLst/>
+          </a:prstGeom>
+          <a:noFill/>
+        </p:spPr>
+        <p:txBody>
+          <a:bodyPr wrap="square">
+            <a:spAutoFit/>
+          </a:bodyPr>
+          <a:lstStyle/>
+          <a:p>
+            <a:r>
+              <a:rPr lang="pt-BR" sz="1050" dirty="0"/>
+              <a:t>1</a:t>
+            </a:r>
+          </a:p>
+        </p:txBody>
+      </p:sp>
+      <p:sp>
+        <p:nvSpPr>
+          <p:cNvPr id="57" name="CaixaDeTexto 56">
+            <a:extLst>
+              <a:ext uri="{FF2B5EF4-FFF2-40B4-BE49-F238E27FC236}">
+                <a16:creationId xmlns:a16="http://schemas.microsoft.com/office/drawing/2014/main" id="{1914F47C-F800-A034-A83C-6B0BBB7A8595}"/>
+              </a:ext>
+            </a:extLst>
+          </p:cNvPr>
+          <p:cNvSpPr txBox="1"/>
+          <p:nvPr/>
+        </p:nvSpPr>
+        <p:spPr>
+          <a:xfrm>
+            <a:off x="3775325" y="2245706"/>
+            <a:ext cx="1263432" cy="1200329"/>
+          </a:xfrm>
+          <a:prstGeom prst="rect">
+            <a:avLst/>
+          </a:prstGeom>
+          <a:noFill/>
+        </p:spPr>
+        <p:txBody>
+          <a:bodyPr wrap="square" rtlCol="0">
+            <a:spAutoFit/>
+          </a:bodyPr>
+          <a:lstStyle/>
+          <a:p>
+            <a:r>
+              <a:rPr lang="pt-BR" sz="1200" dirty="0"/>
+              <a:t>-  </a:t>
+            </a:r>
+            <a:r>
+              <a:rPr lang="pt-BR" sz="1200" b="1" dirty="0"/>
+              <a:t>  id</a:t>
+            </a:r>
+            <a:r>
+              <a:rPr lang="pt-BR" sz="1200" dirty="0"/>
+              <a:t>: </a:t>
+            </a:r>
+            <a:r>
+              <a:rPr lang="pt-BR" sz="1200" dirty="0" err="1"/>
+              <a:t>int</a:t>
+            </a:r>
+            <a:endParaRPr lang="pt-BR" sz="1200" dirty="0"/>
+          </a:p>
+          <a:p>
+            <a:pPr marL="171450" indent="-171450">
+              <a:buFontTx/>
+              <a:buChar char="-"/>
+            </a:pPr>
+            <a:r>
+              <a:rPr lang="pt-BR" sz="1200" b="1" dirty="0"/>
+              <a:t>nome:</a:t>
+            </a:r>
+            <a:r>
+              <a:rPr lang="pt-BR" sz="1200" dirty="0"/>
+              <a:t> </a:t>
+            </a:r>
+            <a:r>
+              <a:rPr lang="pt-BR" sz="1200" dirty="0" err="1"/>
+              <a:t>str</a:t>
+            </a:r>
+            <a:endParaRPr lang="pt-BR" sz="1200" dirty="0"/>
+          </a:p>
+          <a:p>
+            <a:pPr marL="171450" indent="-171450">
+              <a:buFontTx/>
+              <a:buChar char="-"/>
+            </a:pPr>
+            <a:r>
+              <a:rPr lang="pt-BR" sz="1200" b="1" dirty="0" err="1"/>
+              <a:t>email</a:t>
+            </a:r>
+            <a:r>
+              <a:rPr lang="pt-BR" sz="1200" b="1" dirty="0"/>
+              <a:t>:</a:t>
+            </a:r>
+            <a:r>
+              <a:rPr lang="pt-BR" sz="1200" dirty="0"/>
+              <a:t> </a:t>
+            </a:r>
+            <a:r>
+              <a:rPr lang="pt-BR" sz="1200" dirty="0" err="1"/>
+              <a:t>str</a:t>
+            </a:r>
+            <a:endParaRPr lang="pt-BR" sz="1200" dirty="0"/>
+          </a:p>
+          <a:p>
+            <a:pPr marL="171450" indent="-171450">
+              <a:buFontTx/>
+              <a:buChar char="-"/>
+            </a:pPr>
+            <a:r>
+              <a:rPr lang="pt-BR" sz="1200" b="1" dirty="0"/>
+              <a:t>senha: </a:t>
+            </a:r>
+            <a:r>
+              <a:rPr lang="pt-BR" sz="1200" dirty="0" err="1"/>
+              <a:t>str</a:t>
+            </a:r>
+            <a:endParaRPr lang="pt-BR" sz="1200" dirty="0"/>
+          </a:p>
+          <a:p>
+            <a:endParaRPr lang="pt-BR" sz="1200" dirty="0"/>
+          </a:p>
+          <a:p>
+            <a:pPr marL="285750" indent="-285750">
+              <a:buFontTx/>
+              <a:buChar char="-"/>
+            </a:pPr>
+            <a:endParaRPr lang="pt-BR" sz="1200" dirty="0"/>
+          </a:p>
+        </p:txBody>
+      </p:sp>
+      <p:sp>
+        <p:nvSpPr>
+          <p:cNvPr id="58" name="CaixaDeTexto 57">
+            <a:extLst>
+              <a:ext uri="{FF2B5EF4-FFF2-40B4-BE49-F238E27FC236}">
+                <a16:creationId xmlns:a16="http://schemas.microsoft.com/office/drawing/2014/main" id="{4B8E346A-3A68-F5DE-F361-4E42F272E11E}"/>
+              </a:ext>
+            </a:extLst>
+          </p:cNvPr>
+          <p:cNvSpPr txBox="1"/>
+          <p:nvPr/>
+        </p:nvSpPr>
+        <p:spPr>
+          <a:xfrm>
+            <a:off x="6356896" y="2223815"/>
+            <a:ext cx="1563378" cy="1569660"/>
+          </a:xfrm>
+          <a:prstGeom prst="rect">
+            <a:avLst/>
+          </a:prstGeom>
+          <a:noFill/>
+        </p:spPr>
+        <p:txBody>
+          <a:bodyPr wrap="square" rtlCol="0">
+            <a:spAutoFit/>
+          </a:bodyPr>
+          <a:lstStyle/>
+          <a:p>
+            <a:pPr marL="171450" indent="-171450">
+              <a:buFontTx/>
+              <a:buChar char="-"/>
+            </a:pPr>
+            <a:r>
+              <a:rPr lang="pt-BR" sz="1200" b="1" dirty="0"/>
+              <a:t>id:</a:t>
+            </a:r>
+            <a:r>
+              <a:rPr lang="pt-BR" sz="1200" dirty="0"/>
+              <a:t> </a:t>
+            </a:r>
+            <a:r>
+              <a:rPr lang="pt-BR" sz="1200" dirty="0" err="1"/>
+              <a:t>int</a:t>
+            </a:r>
+            <a:endParaRPr lang="pt-BR" sz="1200" dirty="0"/>
+          </a:p>
+          <a:p>
+            <a:pPr marL="171450" indent="-171450">
+              <a:buFontTx/>
+              <a:buChar char="-"/>
+            </a:pPr>
+            <a:r>
+              <a:rPr lang="pt-BR" sz="1200" b="1" dirty="0" err="1"/>
+              <a:t>post_id</a:t>
+            </a:r>
+            <a:r>
+              <a:rPr lang="pt-BR" sz="1200" b="1" dirty="0"/>
+              <a:t>: </a:t>
+            </a:r>
+            <a:r>
+              <a:rPr lang="pt-BR" sz="1200" dirty="0" err="1"/>
+              <a:t>int</a:t>
+            </a:r>
+            <a:endParaRPr lang="pt-BR" sz="1200" dirty="0"/>
+          </a:p>
+          <a:p>
+            <a:pPr marL="171450" indent="-171450">
+              <a:buFontTx/>
+              <a:buChar char="-"/>
+            </a:pPr>
+            <a:r>
+              <a:rPr lang="pt-BR" sz="1200" b="1" dirty="0" err="1"/>
+              <a:t>nome_usuario</a:t>
+            </a:r>
+            <a:r>
+              <a:rPr lang="pt-BR" sz="1200" b="1" dirty="0"/>
+              <a:t>: </a:t>
+            </a:r>
+            <a:r>
+              <a:rPr lang="pt-BR" sz="1200" dirty="0" err="1"/>
+              <a:t>str</a:t>
+            </a:r>
+            <a:endParaRPr lang="pt-BR" sz="1200" dirty="0"/>
+          </a:p>
+          <a:p>
+            <a:pPr marL="171450" indent="-171450">
+              <a:buFontTx/>
+              <a:buChar char="-"/>
+            </a:pPr>
+            <a:r>
+              <a:rPr lang="pt-BR" sz="1200" b="1" dirty="0" err="1"/>
+              <a:t>data_post</a:t>
+            </a:r>
+            <a:r>
+              <a:rPr lang="pt-BR" sz="1200" dirty="0"/>
+              <a:t>: date</a:t>
+            </a:r>
+          </a:p>
+          <a:p>
+            <a:endParaRPr lang="pt-BR" sz="1200" dirty="0"/>
+          </a:p>
+          <a:p>
+            <a:pPr marL="171450" indent="-171450">
+              <a:buFontTx/>
+              <a:buChar char="-"/>
+            </a:pPr>
+            <a:endParaRPr lang="pt-BR" sz="1200" dirty="0"/>
+          </a:p>
+          <a:p>
+            <a:pPr marL="171450" indent="-171450">
+              <a:buFontTx/>
+              <a:buChar char="-"/>
+            </a:pPr>
+            <a:endParaRPr lang="pt-BR" sz="1200" dirty="0"/>
+          </a:p>
+          <a:p>
+            <a:endParaRPr lang="pt-BR" sz="1200" dirty="0"/>
+          </a:p>
+        </p:txBody>
+      </p:sp>
+      <p:sp>
+        <p:nvSpPr>
+          <p:cNvPr id="59" name="CaixaDeTexto 58">
+            <a:extLst>
+              <a:ext uri="{FF2B5EF4-FFF2-40B4-BE49-F238E27FC236}">
+                <a16:creationId xmlns:a16="http://schemas.microsoft.com/office/drawing/2014/main" id="{603088BB-099F-ADF6-1A1C-0A69875EF51D}"/>
+              </a:ext>
+            </a:extLst>
+          </p:cNvPr>
+          <p:cNvSpPr txBox="1"/>
+          <p:nvPr/>
+        </p:nvSpPr>
+        <p:spPr>
+          <a:xfrm>
+            <a:off x="8913559" y="2223815"/>
+            <a:ext cx="1735391" cy="1200329"/>
+          </a:xfrm>
+          <a:prstGeom prst="rect">
+            <a:avLst/>
+          </a:prstGeom>
+          <a:noFill/>
+        </p:spPr>
+        <p:txBody>
+          <a:bodyPr wrap="square" rtlCol="0">
+            <a:spAutoFit/>
+          </a:bodyPr>
+          <a:lstStyle/>
+          <a:p>
+            <a:r>
+              <a:rPr lang="pt-BR" sz="1200" dirty="0"/>
+              <a:t>-</a:t>
+            </a:r>
+            <a:r>
+              <a:rPr lang="pt-BR" sz="1200" b="1" dirty="0"/>
+              <a:t>    id: </a:t>
+            </a:r>
+            <a:r>
+              <a:rPr lang="pt-BR" sz="1200" dirty="0" err="1"/>
+              <a:t>int</a:t>
+            </a:r>
+            <a:endParaRPr lang="pt-BR" sz="1200" dirty="0"/>
+          </a:p>
+          <a:p>
+            <a:pPr marL="171450" indent="-171450">
+              <a:buFontTx/>
+              <a:buChar char="-"/>
+            </a:pPr>
+            <a:r>
+              <a:rPr lang="pt-BR" sz="1200" b="1" dirty="0" err="1"/>
+              <a:t>id_usuario</a:t>
+            </a:r>
+            <a:r>
+              <a:rPr lang="pt-BR" sz="1200" b="1" dirty="0"/>
+              <a:t>: </a:t>
+            </a:r>
+            <a:r>
+              <a:rPr lang="pt-BR" sz="1200" dirty="0" err="1"/>
+              <a:t>int</a:t>
+            </a:r>
+            <a:endParaRPr lang="pt-BR" sz="1200" dirty="0"/>
+          </a:p>
+          <a:p>
+            <a:pPr marL="171450" indent="-171450">
+              <a:buFontTx/>
+              <a:buChar char="-"/>
+            </a:pPr>
+            <a:r>
+              <a:rPr lang="pt-BR" sz="1200" b="1" dirty="0" err="1"/>
+              <a:t>data_coment</a:t>
+            </a:r>
+            <a:r>
+              <a:rPr lang="pt-BR" sz="1200" dirty="0"/>
+              <a:t>: date</a:t>
+            </a:r>
+          </a:p>
+          <a:p>
+            <a:pPr marL="171450" indent="-171450">
+              <a:buFontTx/>
+              <a:buChar char="-"/>
+            </a:pPr>
+            <a:endParaRPr lang="pt-BR" sz="1200" dirty="0"/>
+          </a:p>
+          <a:p>
+            <a:endParaRPr lang="pt-BR" sz="1200" dirty="0"/>
+          </a:p>
+          <a:p>
+            <a:pPr marL="285750" indent="-285750">
+              <a:buFontTx/>
+              <a:buChar char="-"/>
+            </a:pPr>
+            <a:endParaRPr lang="pt-BR" sz="1200" dirty="0"/>
+          </a:p>
+        </p:txBody>
+      </p:sp>
+      <p:sp>
+        <p:nvSpPr>
+          <p:cNvPr id="60" name="CaixaDeTexto 59">
+            <a:extLst>
+              <a:ext uri="{FF2B5EF4-FFF2-40B4-BE49-F238E27FC236}">
+                <a16:creationId xmlns:a16="http://schemas.microsoft.com/office/drawing/2014/main" id="{5696FBD6-0AB7-C8C0-BDA0-1F97CC7E4862}"/>
+              </a:ext>
+            </a:extLst>
+          </p:cNvPr>
+          <p:cNvSpPr txBox="1"/>
+          <p:nvPr/>
+        </p:nvSpPr>
+        <p:spPr>
+          <a:xfrm>
+            <a:off x="1180413" y="4700592"/>
+            <a:ext cx="6477000" cy="707886"/>
+          </a:xfrm>
+          <a:prstGeom prst="rect">
+            <a:avLst/>
+          </a:prstGeom>
+          <a:noFill/>
+        </p:spPr>
+        <p:txBody>
+          <a:bodyPr wrap="square" rtlCol="0">
+            <a:spAutoFit/>
+          </a:bodyPr>
+          <a:lstStyle/>
+          <a:p>
+            <a:r>
+              <a:rPr lang="pt-BR" sz="1000" b="1" dirty="0"/>
+              <a:t>Classes: </a:t>
+            </a:r>
+            <a:r>
+              <a:rPr lang="pt-BR" sz="1000" dirty="0"/>
+              <a:t>Rede Social.</a:t>
+            </a:r>
+          </a:p>
+          <a:p>
+            <a:r>
+              <a:rPr lang="pt-BR" sz="1000" dirty="0">
+                <a:solidFill>
+                  <a:srgbClr val="00B050"/>
+                </a:solidFill>
+              </a:rPr>
+              <a:t>Rede Social </a:t>
+            </a:r>
+            <a:r>
+              <a:rPr lang="pt-BR" sz="1000" dirty="0">
+                <a:sym typeface="Wingdings" panose="05000000000000000000" pitchFamily="2" charset="2"/>
+              </a:rPr>
+              <a:t></a:t>
+            </a:r>
+            <a:r>
+              <a:rPr lang="pt-BR" sz="1000" dirty="0"/>
+              <a:t>Atributos: </a:t>
+            </a:r>
+            <a:r>
+              <a:rPr lang="pt-BR" sz="1000" dirty="0" err="1"/>
+              <a:t>id:int,nome:str</a:t>
+            </a:r>
+            <a:r>
+              <a:rPr lang="pt-BR" sz="1000" dirty="0"/>
+              <a:t>, </a:t>
+            </a:r>
+            <a:r>
+              <a:rPr lang="pt-BR" sz="1000" dirty="0" err="1"/>
+              <a:t>cnpj:int</a:t>
+            </a:r>
+            <a:r>
+              <a:rPr lang="pt-BR" sz="1000" dirty="0"/>
+              <a:t>.</a:t>
+            </a:r>
+          </a:p>
+          <a:p>
+            <a:r>
+              <a:rPr lang="pt-BR" sz="1000" dirty="0">
+                <a:solidFill>
+                  <a:srgbClr val="00B050"/>
+                </a:solidFill>
+              </a:rPr>
+              <a:t>Métodos </a:t>
+            </a:r>
+            <a:r>
+              <a:rPr lang="pt-BR" sz="1000" dirty="0">
+                <a:sym typeface="Wingdings" panose="05000000000000000000" pitchFamily="2" charset="2"/>
+              </a:rPr>
+              <a:t> </a:t>
+            </a:r>
+            <a:r>
+              <a:rPr lang="pt-BR" sz="1000" b="1" dirty="0" err="1">
+                <a:solidFill>
+                  <a:schemeClr val="tx1"/>
+                </a:solidFill>
+              </a:rPr>
+              <a:t>criar_usuario</a:t>
+            </a:r>
+            <a:r>
+              <a:rPr lang="pt-BR" sz="1000" dirty="0">
+                <a:solidFill>
+                  <a:schemeClr val="tx1"/>
+                </a:solidFill>
+              </a:rPr>
+              <a:t>(),</a:t>
+            </a:r>
+            <a:r>
+              <a:rPr lang="pt-BR" sz="1000" b="1" dirty="0" err="1">
+                <a:solidFill>
+                  <a:schemeClr val="tx1"/>
+                </a:solidFill>
+              </a:rPr>
+              <a:t>remover_usuario</a:t>
+            </a:r>
+            <a:r>
+              <a:rPr lang="pt-BR" sz="1000" dirty="0">
+                <a:solidFill>
+                  <a:schemeClr val="tx1"/>
+                </a:solidFill>
+              </a:rPr>
+              <a:t>()</a:t>
+            </a:r>
+            <a:r>
+              <a:rPr lang="pt-BR" sz="1000" dirty="0" err="1">
+                <a:solidFill>
+                  <a:schemeClr val="tx1"/>
+                </a:solidFill>
+              </a:rPr>
+              <a:t>void</a:t>
+            </a:r>
+            <a:r>
+              <a:rPr lang="pt-BR" sz="1000" dirty="0">
+                <a:solidFill>
+                  <a:schemeClr val="tx1"/>
+                </a:solidFill>
+              </a:rPr>
+              <a:t>.</a:t>
+            </a:r>
+            <a:endParaRPr lang="pt-BR" sz="1000" dirty="0"/>
+          </a:p>
+          <a:p>
+            <a:endParaRPr lang="pt-BR" sz="1000" dirty="0">
+              <a:solidFill>
+                <a:srgbClr val="00B050"/>
+              </a:solidFill>
+            </a:endParaRPr>
+          </a:p>
+        </p:txBody>
+      </p:sp>
+      <p:sp>
+        <p:nvSpPr>
+          <p:cNvPr id="61" name="Triângulo isósceles 60">
+            <a:extLst>
+              <a:ext uri="{FF2B5EF4-FFF2-40B4-BE49-F238E27FC236}">
+                <a16:creationId xmlns:a16="http://schemas.microsoft.com/office/drawing/2014/main" id="{6F6DF312-9A75-7CEE-1A33-BB89E7BBE244}"/>
+              </a:ext>
+            </a:extLst>
+          </p:cNvPr>
+          <p:cNvSpPr/>
+          <p:nvPr/>
+        </p:nvSpPr>
+        <p:spPr>
+          <a:xfrm rot="5400000">
+            <a:off x="8805390" y="2733165"/>
+            <a:ext cx="144574" cy="93552"/>
+          </a:xfrm>
+          <a:prstGeom prst="triangle">
+            <a:avLst/>
+          </a:prstGeom>
+          <a:solidFill>
+            <a:schemeClr val="tx1"/>
+          </a:solidFill>
+        </p:spPr>
+        <p:style>
+          <a:lnRef idx="2">
+            <a:schemeClr val="accent1">
+              <a:shade val="15000"/>
+            </a:schemeClr>
+          </a:lnRef>
+          <a:fillRef idx="1">
+            <a:schemeClr val="accent1"/>
+          </a:fillRef>
+          <a:effectRef idx="0">
+            <a:schemeClr val="accent1"/>
+          </a:effectRef>
+          <a:fontRef idx="minor">
+            <a:schemeClr val="lt1"/>
+          </a:fontRef>
+        </p:style>
+        <p:txBody>
+          <a:bodyPr rtlCol="0" anchor="ctr"/>
+          <a:lstStyle/>
+          <a:p>
+            <a:pPr algn="ctr"/>
+            <a:endParaRPr lang="pt-BR"/>
+          </a:p>
+        </p:txBody>
+      </p:sp>
+      <p:sp>
+        <p:nvSpPr>
+          <p:cNvPr id="62" name="CaixaDeTexto 61">
+            <a:extLst>
+              <a:ext uri="{FF2B5EF4-FFF2-40B4-BE49-F238E27FC236}">
+                <a16:creationId xmlns:a16="http://schemas.microsoft.com/office/drawing/2014/main" id="{4BE0D364-530A-60EA-7CF5-A9F904D7BDD8}"/>
+              </a:ext>
+            </a:extLst>
+          </p:cNvPr>
+          <p:cNvSpPr txBox="1"/>
+          <p:nvPr/>
+        </p:nvSpPr>
+        <p:spPr>
+          <a:xfrm>
+            <a:off x="4469620" y="3503028"/>
+            <a:ext cx="479618" cy="200055"/>
+          </a:xfrm>
+          <a:prstGeom prst="rect">
+            <a:avLst/>
+          </a:prstGeom>
+          <a:noFill/>
+        </p:spPr>
+        <p:txBody>
+          <a:bodyPr wrap="none" rtlCol="0">
+            <a:spAutoFit/>
+          </a:bodyPr>
+          <a:lstStyle/>
+          <a:p>
+            <a:r>
+              <a:rPr lang="pt-BR" sz="700" dirty="0"/>
+              <a:t>Método</a:t>
+            </a:r>
+          </a:p>
+        </p:txBody>
+      </p:sp>
+      <p:sp>
+        <p:nvSpPr>
+          <p:cNvPr id="63" name="CaixaDeTexto 62">
+            <a:extLst>
+              <a:ext uri="{FF2B5EF4-FFF2-40B4-BE49-F238E27FC236}">
+                <a16:creationId xmlns:a16="http://schemas.microsoft.com/office/drawing/2014/main" id="{05DAE15B-1D34-ABB5-4B2F-457B3EF8DC57}"/>
+              </a:ext>
+            </a:extLst>
+          </p:cNvPr>
+          <p:cNvSpPr txBox="1"/>
+          <p:nvPr/>
+        </p:nvSpPr>
+        <p:spPr>
+          <a:xfrm>
+            <a:off x="1807369" y="3670595"/>
+            <a:ext cx="479618" cy="200055"/>
+          </a:xfrm>
+          <a:prstGeom prst="rect">
+            <a:avLst/>
+          </a:prstGeom>
+          <a:noFill/>
+        </p:spPr>
+        <p:txBody>
+          <a:bodyPr wrap="none" rtlCol="0">
+            <a:spAutoFit/>
+          </a:bodyPr>
+          <a:lstStyle/>
+          <a:p>
+            <a:r>
+              <a:rPr lang="pt-BR" sz="700" dirty="0"/>
+              <a:t>Método</a:t>
+            </a:r>
+          </a:p>
+        </p:txBody>
+      </p:sp>
+      <p:sp>
+        <p:nvSpPr>
+          <p:cNvPr id="64" name="CaixaDeTexto 63">
+            <a:extLst>
+              <a:ext uri="{FF2B5EF4-FFF2-40B4-BE49-F238E27FC236}">
+                <a16:creationId xmlns:a16="http://schemas.microsoft.com/office/drawing/2014/main" id="{BF3F6FD6-EFE8-2B08-1E4D-1CD899E9EBC7}"/>
+              </a:ext>
+            </a:extLst>
+          </p:cNvPr>
+          <p:cNvSpPr txBox="1"/>
+          <p:nvPr/>
+        </p:nvSpPr>
+        <p:spPr>
+          <a:xfrm>
+            <a:off x="7044547" y="3518750"/>
+            <a:ext cx="479618" cy="200055"/>
+          </a:xfrm>
+          <a:prstGeom prst="rect">
+            <a:avLst/>
+          </a:prstGeom>
+          <a:noFill/>
+        </p:spPr>
+        <p:txBody>
+          <a:bodyPr wrap="none" rtlCol="0">
+            <a:spAutoFit/>
+          </a:bodyPr>
+          <a:lstStyle/>
+          <a:p>
+            <a:r>
+              <a:rPr lang="pt-BR" sz="700" dirty="0"/>
+              <a:t>Método</a:t>
+            </a:r>
+          </a:p>
+        </p:txBody>
+      </p:sp>
+      <p:sp>
+        <p:nvSpPr>
+          <p:cNvPr id="65" name="CaixaDeTexto 64">
+            <a:extLst>
+              <a:ext uri="{FF2B5EF4-FFF2-40B4-BE49-F238E27FC236}">
+                <a16:creationId xmlns:a16="http://schemas.microsoft.com/office/drawing/2014/main" id="{15F50CCF-17F7-F5AE-A953-8162BAD7D716}"/>
+              </a:ext>
+            </a:extLst>
+          </p:cNvPr>
+          <p:cNvSpPr txBox="1"/>
+          <p:nvPr/>
+        </p:nvSpPr>
+        <p:spPr>
+          <a:xfrm>
+            <a:off x="9619475" y="3508847"/>
+            <a:ext cx="479618" cy="200055"/>
+          </a:xfrm>
+          <a:prstGeom prst="rect">
+            <a:avLst/>
+          </a:prstGeom>
+          <a:noFill/>
+        </p:spPr>
+        <p:txBody>
+          <a:bodyPr wrap="none" rtlCol="0">
+            <a:spAutoFit/>
+          </a:bodyPr>
+          <a:lstStyle/>
+          <a:p>
+            <a:r>
+              <a:rPr lang="pt-BR" sz="700" dirty="0"/>
+              <a:t>Método</a:t>
+            </a:r>
+          </a:p>
+        </p:txBody>
+      </p:sp>
+      <p:sp>
+        <p:nvSpPr>
+          <p:cNvPr id="66" name="CaixaDeTexto 65">
+            <a:extLst>
+              <a:ext uri="{FF2B5EF4-FFF2-40B4-BE49-F238E27FC236}">
+                <a16:creationId xmlns:a16="http://schemas.microsoft.com/office/drawing/2014/main" id="{D7DDDCA1-C54F-54E8-1651-46C69961DAFE}"/>
+              </a:ext>
+            </a:extLst>
+          </p:cNvPr>
+          <p:cNvSpPr txBox="1"/>
+          <p:nvPr/>
+        </p:nvSpPr>
+        <p:spPr>
+          <a:xfrm>
+            <a:off x="1180413" y="5208355"/>
+            <a:ext cx="7743832" cy="861774"/>
+          </a:xfrm>
+          <a:prstGeom prst="rect">
+            <a:avLst/>
+          </a:prstGeom>
+          <a:noFill/>
+        </p:spPr>
+        <p:txBody>
+          <a:bodyPr wrap="square" rtlCol="0">
+            <a:spAutoFit/>
+          </a:bodyPr>
+          <a:lstStyle/>
+          <a:p>
+            <a:r>
+              <a:rPr lang="pt-BR" sz="1000" b="1" dirty="0"/>
+              <a:t>Classes: </a:t>
+            </a:r>
+            <a:r>
+              <a:rPr lang="pt-BR" sz="1000" dirty="0"/>
+              <a:t>Usuário.</a:t>
+            </a:r>
+          </a:p>
+          <a:p>
+            <a:r>
+              <a:rPr lang="pt-BR" sz="1000" dirty="0">
+                <a:solidFill>
+                  <a:srgbClr val="00B0F0"/>
+                </a:solidFill>
+              </a:rPr>
+              <a:t>Usuário </a:t>
+            </a:r>
+            <a:r>
+              <a:rPr lang="pt-BR" sz="1000" dirty="0">
+                <a:sym typeface="Wingdings" panose="05000000000000000000" pitchFamily="2" charset="2"/>
+              </a:rPr>
+              <a:t></a:t>
+            </a:r>
+            <a:r>
+              <a:rPr lang="pt-BR" sz="1000" dirty="0"/>
+              <a:t>Atributos: </a:t>
+            </a:r>
+            <a:r>
+              <a:rPr lang="pt-BR" sz="1000" dirty="0" err="1"/>
+              <a:t>id:int,nome:str</a:t>
+            </a:r>
+            <a:r>
+              <a:rPr lang="pt-BR" sz="1000" dirty="0"/>
+              <a:t>, </a:t>
+            </a:r>
+            <a:r>
+              <a:rPr lang="pt-BR" sz="1000" dirty="0" err="1"/>
+              <a:t>email:str</a:t>
+            </a:r>
+            <a:r>
+              <a:rPr lang="pt-BR" sz="1000" dirty="0"/>
+              <a:t> e </a:t>
+            </a:r>
+            <a:r>
+              <a:rPr lang="pt-BR" sz="1000" dirty="0" err="1"/>
+              <a:t>senha:str</a:t>
+            </a:r>
+            <a:r>
+              <a:rPr lang="pt-BR" sz="1000" dirty="0"/>
+              <a:t>.</a:t>
+            </a:r>
+          </a:p>
+          <a:p>
+            <a:r>
+              <a:rPr lang="pt-BR" sz="1000" dirty="0">
+                <a:solidFill>
+                  <a:srgbClr val="00B0F0"/>
+                </a:solidFill>
+              </a:rPr>
+              <a:t>Métodos</a:t>
+            </a:r>
+            <a:r>
+              <a:rPr lang="pt-BR" sz="1000" dirty="0"/>
+              <a:t> </a:t>
+            </a:r>
+            <a:r>
+              <a:rPr lang="pt-BR" sz="1000" dirty="0">
+                <a:sym typeface="Wingdings" panose="05000000000000000000" pitchFamily="2" charset="2"/>
+              </a:rPr>
+              <a:t> </a:t>
+            </a:r>
+            <a:r>
+              <a:rPr lang="pt-BR" sz="1000" b="1" dirty="0" err="1">
+                <a:solidFill>
+                  <a:schemeClr val="tx1"/>
+                </a:solidFill>
+              </a:rPr>
+              <a:t>adicionar_amigos</a:t>
+            </a:r>
+            <a:r>
+              <a:rPr lang="pt-BR" sz="1000" b="1" dirty="0">
+                <a:solidFill>
+                  <a:schemeClr val="tx1"/>
+                </a:solidFill>
+                <a:sym typeface="Wingdings" panose="05000000000000000000" pitchFamily="2" charset="2"/>
+              </a:rPr>
+              <a:t>()</a:t>
+            </a:r>
+            <a:r>
+              <a:rPr lang="pt-BR" sz="1000" b="1" dirty="0">
+                <a:sym typeface="Wingdings" panose="05000000000000000000" pitchFamily="2" charset="2"/>
+              </a:rPr>
+              <a:t>,</a:t>
+            </a:r>
+            <a:r>
+              <a:rPr lang="pt-BR" sz="1000" b="1" dirty="0" err="1">
+                <a:solidFill>
+                  <a:schemeClr val="tx1"/>
+                </a:solidFill>
+              </a:rPr>
+              <a:t>criar_postagens</a:t>
+            </a:r>
+            <a:r>
+              <a:rPr lang="pt-BR" sz="1000" b="1" dirty="0">
+                <a:solidFill>
+                  <a:schemeClr val="tx1"/>
+                </a:solidFill>
+              </a:rPr>
+              <a:t>(),</a:t>
+            </a:r>
+            <a:r>
+              <a:rPr lang="pt-BR" sz="1000" b="1" dirty="0" err="1">
+                <a:solidFill>
+                  <a:schemeClr val="tx1"/>
+                </a:solidFill>
+              </a:rPr>
+              <a:t>inserir_comentarios</a:t>
+            </a:r>
+            <a:r>
+              <a:rPr lang="pt-BR" sz="1000" b="1" dirty="0">
+                <a:solidFill>
+                  <a:schemeClr val="tx1"/>
+                </a:solidFill>
+              </a:rPr>
+              <a:t>(),</a:t>
+            </a:r>
+            <a:r>
+              <a:rPr lang="pt-BR" sz="1000" b="1" dirty="0" err="1">
+                <a:solidFill>
+                  <a:schemeClr val="tx1"/>
+                </a:solidFill>
+              </a:rPr>
+              <a:t>remover_postagens</a:t>
+            </a:r>
+            <a:r>
+              <a:rPr lang="pt-BR" sz="1000" b="1" dirty="0">
+                <a:solidFill>
+                  <a:schemeClr val="tx1"/>
+                </a:solidFill>
+              </a:rPr>
+              <a:t>()</a:t>
+            </a:r>
+            <a:r>
+              <a:rPr lang="pt-BR" sz="1000" b="1" dirty="0" err="1">
+                <a:solidFill>
+                  <a:schemeClr val="tx1"/>
+                </a:solidFill>
+              </a:rPr>
+              <a:t>void</a:t>
+            </a:r>
+            <a:r>
+              <a:rPr lang="pt-BR" sz="1000" b="1" dirty="0"/>
+              <a:t> e </a:t>
+            </a:r>
+            <a:r>
+              <a:rPr lang="pt-BR" sz="1000" b="1" dirty="0" err="1">
+                <a:solidFill>
+                  <a:schemeClr val="tx1"/>
+                </a:solidFill>
+              </a:rPr>
+              <a:t>criar_perfil</a:t>
+            </a:r>
+            <a:r>
+              <a:rPr lang="pt-BR" sz="1000" b="1" dirty="0">
+                <a:solidFill>
+                  <a:schemeClr val="tx1"/>
+                </a:solidFill>
+                <a:sym typeface="Wingdings" panose="05000000000000000000" pitchFamily="2" charset="2"/>
+              </a:rPr>
+              <a:t>().</a:t>
+            </a:r>
+            <a:endParaRPr lang="pt-BR" sz="1000" b="1" dirty="0">
+              <a:solidFill>
+                <a:schemeClr val="tx1"/>
+              </a:solidFill>
+            </a:endParaRPr>
+          </a:p>
+          <a:p>
+            <a:endParaRPr lang="pt-BR" sz="1000" dirty="0"/>
+          </a:p>
+          <a:p>
+            <a:endParaRPr lang="pt-BR" sz="1000" dirty="0">
+              <a:solidFill>
+                <a:srgbClr val="00B050"/>
+              </a:solidFill>
+            </a:endParaRPr>
+          </a:p>
+        </p:txBody>
+      </p:sp>
+      <p:sp>
+        <p:nvSpPr>
+          <p:cNvPr id="67" name="CaixaDeTexto 66">
+            <a:extLst>
+              <a:ext uri="{FF2B5EF4-FFF2-40B4-BE49-F238E27FC236}">
+                <a16:creationId xmlns:a16="http://schemas.microsoft.com/office/drawing/2014/main" id="{76211328-3B8E-8998-B8F6-DEE2E9AF8D12}"/>
+              </a:ext>
+            </a:extLst>
+          </p:cNvPr>
+          <p:cNvSpPr txBox="1"/>
+          <p:nvPr/>
+        </p:nvSpPr>
+        <p:spPr>
+          <a:xfrm>
+            <a:off x="1180413" y="5737147"/>
+            <a:ext cx="7743832" cy="1015663"/>
+          </a:xfrm>
+          <a:prstGeom prst="rect">
+            <a:avLst/>
+          </a:prstGeom>
+          <a:noFill/>
+        </p:spPr>
+        <p:txBody>
+          <a:bodyPr wrap="square" rtlCol="0">
+            <a:spAutoFit/>
+          </a:bodyPr>
+          <a:lstStyle/>
+          <a:p>
+            <a:r>
+              <a:rPr lang="pt-BR" sz="1000" b="1" dirty="0"/>
+              <a:t>Classes: </a:t>
+            </a:r>
+            <a:r>
+              <a:rPr lang="pt-BR" sz="1000" dirty="0"/>
+              <a:t>Postagens.</a:t>
+            </a:r>
+          </a:p>
+          <a:p>
+            <a:r>
+              <a:rPr lang="pt-BR" sz="1000" dirty="0">
+                <a:solidFill>
+                  <a:srgbClr val="FFC000"/>
+                </a:solidFill>
+              </a:rPr>
+              <a:t>Postagens </a:t>
+            </a:r>
+            <a:r>
+              <a:rPr lang="pt-BR" sz="1000" dirty="0">
+                <a:sym typeface="Wingdings" panose="05000000000000000000" pitchFamily="2" charset="2"/>
+              </a:rPr>
+              <a:t>Atributos: </a:t>
+            </a:r>
+            <a:r>
+              <a:rPr lang="pt-BR" sz="1000" dirty="0"/>
+              <a:t>id: </a:t>
+            </a:r>
+            <a:r>
+              <a:rPr lang="pt-BR" sz="1000" dirty="0" err="1"/>
+              <a:t>int,post_id</a:t>
+            </a:r>
+            <a:r>
+              <a:rPr lang="pt-BR" sz="1000" dirty="0"/>
+              <a:t>: </a:t>
+            </a:r>
+            <a:r>
+              <a:rPr lang="pt-BR" sz="1000" dirty="0" err="1"/>
+              <a:t>int</a:t>
+            </a:r>
+            <a:r>
+              <a:rPr lang="pt-BR" sz="1000" dirty="0"/>
+              <a:t>, </a:t>
+            </a:r>
+            <a:r>
+              <a:rPr lang="pt-BR" sz="1000" dirty="0" err="1"/>
+              <a:t>nome_usuario</a:t>
+            </a:r>
+            <a:r>
+              <a:rPr lang="pt-BR" sz="1000" dirty="0"/>
+              <a:t>: </a:t>
+            </a:r>
+            <a:r>
+              <a:rPr lang="pt-BR" sz="1000" dirty="0" err="1"/>
+              <a:t>str</a:t>
+            </a:r>
+            <a:r>
+              <a:rPr lang="pt-BR" sz="1000" dirty="0"/>
+              <a:t> e </a:t>
+            </a:r>
+            <a:r>
+              <a:rPr lang="pt-BR" sz="1000" dirty="0" err="1"/>
+              <a:t>data_post</a:t>
+            </a:r>
+            <a:r>
+              <a:rPr lang="pt-BR" sz="1000" dirty="0"/>
+              <a:t>: date.</a:t>
+            </a:r>
+          </a:p>
+          <a:p>
+            <a:r>
+              <a:rPr lang="pt-BR" sz="1000" dirty="0">
+                <a:solidFill>
+                  <a:srgbClr val="FFC000"/>
+                </a:solidFill>
+              </a:rPr>
+              <a:t>Métodos </a:t>
+            </a:r>
+            <a:r>
+              <a:rPr lang="pt-BR" sz="1000" dirty="0">
+                <a:sym typeface="Wingdings" panose="05000000000000000000" pitchFamily="2" charset="2"/>
+              </a:rPr>
+              <a:t></a:t>
+            </a:r>
+            <a:r>
+              <a:rPr lang="pt-BR" sz="1000" dirty="0">
+                <a:solidFill>
+                  <a:srgbClr val="00B050"/>
+                </a:solidFill>
+              </a:rPr>
+              <a:t> </a:t>
+            </a:r>
+            <a:r>
+              <a:rPr lang="pt-BR" sz="1000" b="1" dirty="0" err="1">
+                <a:solidFill>
+                  <a:schemeClr val="tx1"/>
+                </a:solidFill>
+              </a:rPr>
+              <a:t>criar_postagem</a:t>
+            </a:r>
+            <a:r>
+              <a:rPr lang="pt-BR" sz="1000" b="1" dirty="0">
+                <a:solidFill>
+                  <a:schemeClr val="tx1"/>
+                </a:solidFill>
+                <a:sym typeface="Wingdings" panose="05000000000000000000" pitchFamily="2" charset="2"/>
+              </a:rPr>
+              <a:t>()</a:t>
+            </a:r>
+            <a:r>
+              <a:rPr lang="pt-BR" sz="1000" b="1" dirty="0">
+                <a:sym typeface="Wingdings" panose="05000000000000000000" pitchFamily="2" charset="2"/>
+              </a:rPr>
+              <a:t>, </a:t>
+            </a:r>
+            <a:r>
+              <a:rPr lang="pt-BR" sz="1000" b="1" dirty="0" err="1">
+                <a:solidFill>
+                  <a:schemeClr val="tx1"/>
+                </a:solidFill>
+              </a:rPr>
+              <a:t>excluir_postagens</a:t>
+            </a:r>
+            <a:r>
+              <a:rPr lang="pt-BR" sz="1000" b="1" dirty="0">
+                <a:solidFill>
+                  <a:schemeClr val="tx1"/>
+                </a:solidFill>
+              </a:rPr>
+              <a:t>() e </a:t>
+            </a:r>
+            <a:r>
+              <a:rPr lang="pt-BR" sz="1000" b="1" dirty="0" err="1">
+                <a:solidFill>
+                  <a:schemeClr val="tx1"/>
+                </a:solidFill>
+              </a:rPr>
+              <a:t>editar_postagens</a:t>
+            </a:r>
+            <a:r>
+              <a:rPr lang="pt-BR" sz="1000" b="1" dirty="0">
+                <a:solidFill>
+                  <a:schemeClr val="tx1"/>
+                </a:solidFill>
+              </a:rPr>
+              <a:t>().</a:t>
+            </a:r>
+          </a:p>
+          <a:p>
+            <a:endParaRPr lang="pt-BR" sz="1000" b="1" dirty="0">
+              <a:solidFill>
+                <a:schemeClr val="tx1"/>
+              </a:solidFill>
+            </a:endParaRPr>
+          </a:p>
+          <a:p>
+            <a:endParaRPr lang="pt-BR" sz="1000" dirty="0"/>
+          </a:p>
+          <a:p>
+            <a:endParaRPr lang="pt-BR" sz="1000" dirty="0">
+              <a:solidFill>
+                <a:srgbClr val="00B050"/>
+              </a:solidFill>
+            </a:endParaRPr>
+          </a:p>
+        </p:txBody>
+      </p:sp>
+      <p:sp>
+        <p:nvSpPr>
+          <p:cNvPr id="70" name="CaixaDeTexto 69">
+            <a:extLst>
+              <a:ext uri="{FF2B5EF4-FFF2-40B4-BE49-F238E27FC236}">
+                <a16:creationId xmlns:a16="http://schemas.microsoft.com/office/drawing/2014/main" id="{37A205C3-290A-489B-7C6D-012B001C05CF}"/>
+              </a:ext>
+            </a:extLst>
+          </p:cNvPr>
+          <p:cNvSpPr txBox="1"/>
+          <p:nvPr/>
+        </p:nvSpPr>
+        <p:spPr>
+          <a:xfrm>
+            <a:off x="1180413" y="6264504"/>
+            <a:ext cx="7743832" cy="1015663"/>
+          </a:xfrm>
+          <a:prstGeom prst="rect">
+            <a:avLst/>
+          </a:prstGeom>
+          <a:noFill/>
+        </p:spPr>
+        <p:txBody>
+          <a:bodyPr wrap="square" rtlCol="0">
+            <a:spAutoFit/>
+          </a:bodyPr>
+          <a:lstStyle/>
+          <a:p>
+            <a:r>
+              <a:rPr lang="pt-BR" sz="1000" b="1" dirty="0"/>
+              <a:t>Classes: </a:t>
+            </a:r>
+            <a:r>
+              <a:rPr lang="pt-BR" sz="1000" dirty="0"/>
+              <a:t>Comentários.</a:t>
+            </a:r>
+          </a:p>
+          <a:p>
+            <a:r>
+              <a:rPr lang="pt-BR" sz="1000" dirty="0">
+                <a:solidFill>
+                  <a:srgbClr val="7030A0"/>
+                </a:solidFill>
+              </a:rPr>
+              <a:t>Comentários</a:t>
+            </a:r>
+            <a:r>
+              <a:rPr lang="pt-BR" sz="1000" dirty="0">
+                <a:solidFill>
+                  <a:srgbClr val="00B050"/>
+                </a:solidFill>
+              </a:rPr>
+              <a:t> </a:t>
+            </a:r>
+            <a:r>
+              <a:rPr lang="pt-BR" sz="1000" dirty="0">
+                <a:sym typeface="Wingdings" panose="05000000000000000000" pitchFamily="2" charset="2"/>
+              </a:rPr>
+              <a:t>Atributos: </a:t>
+            </a:r>
+            <a:r>
+              <a:rPr lang="pt-BR" sz="1000" dirty="0"/>
+              <a:t> id: </a:t>
+            </a:r>
+            <a:r>
+              <a:rPr lang="pt-BR" sz="1000" dirty="0" err="1"/>
+              <a:t>int,id_usuario</a:t>
+            </a:r>
+            <a:r>
+              <a:rPr lang="pt-BR" sz="1000" dirty="0"/>
+              <a:t>: </a:t>
+            </a:r>
+            <a:r>
+              <a:rPr lang="pt-BR" sz="1000" dirty="0" err="1"/>
+              <a:t>int</a:t>
+            </a:r>
+            <a:r>
+              <a:rPr lang="pt-BR" sz="1000" dirty="0"/>
+              <a:t> e </a:t>
+            </a:r>
+            <a:r>
+              <a:rPr lang="pt-BR" sz="1000" dirty="0" err="1"/>
+              <a:t>data_coment</a:t>
+            </a:r>
+            <a:r>
+              <a:rPr lang="pt-BR" sz="1000" dirty="0"/>
+              <a:t>: date.</a:t>
+            </a:r>
+          </a:p>
+          <a:p>
+            <a:r>
+              <a:rPr lang="pt-BR" sz="1000" dirty="0">
+                <a:solidFill>
+                  <a:srgbClr val="7030A0"/>
+                </a:solidFill>
+              </a:rPr>
+              <a:t>Métodos </a:t>
+            </a:r>
+            <a:r>
+              <a:rPr lang="pt-BR" sz="1000" dirty="0">
+                <a:sym typeface="Wingdings" panose="05000000000000000000" pitchFamily="2" charset="2"/>
+              </a:rPr>
+              <a:t></a:t>
+            </a:r>
+            <a:r>
+              <a:rPr lang="pt-BR" sz="1000" dirty="0">
+                <a:solidFill>
+                  <a:srgbClr val="7030A0"/>
+                </a:solidFill>
+              </a:rPr>
+              <a:t> </a:t>
+            </a:r>
+            <a:r>
+              <a:rPr lang="pt-BR" sz="1000" b="1" dirty="0" err="1">
+                <a:solidFill>
+                  <a:schemeClr val="tx1"/>
+                </a:solidFill>
+              </a:rPr>
+              <a:t>criar_postagem</a:t>
+            </a:r>
+            <a:r>
+              <a:rPr lang="pt-BR" sz="1000" b="1" dirty="0">
+                <a:solidFill>
+                  <a:schemeClr val="tx1"/>
+                </a:solidFill>
+                <a:sym typeface="Wingdings" panose="05000000000000000000" pitchFamily="2" charset="2"/>
+              </a:rPr>
+              <a:t>()</a:t>
+            </a:r>
+            <a:r>
+              <a:rPr lang="pt-BR" sz="1000" b="1" dirty="0">
+                <a:sym typeface="Wingdings" panose="05000000000000000000" pitchFamily="2" charset="2"/>
+              </a:rPr>
+              <a:t>,</a:t>
+            </a:r>
+            <a:r>
+              <a:rPr lang="pt-BR" sz="1000" b="1" dirty="0" err="1">
+                <a:solidFill>
+                  <a:schemeClr val="tx1"/>
+                </a:solidFill>
+                <a:sym typeface="Wingdings" panose="05000000000000000000" pitchFamily="2" charset="2"/>
+              </a:rPr>
+              <a:t>exclui</a:t>
+            </a:r>
+            <a:r>
+              <a:rPr lang="pt-BR" sz="1000" b="1" dirty="0" err="1">
+                <a:solidFill>
+                  <a:schemeClr val="tx1"/>
+                </a:solidFill>
+              </a:rPr>
+              <a:t>r_postagens</a:t>
+            </a:r>
+            <a:r>
+              <a:rPr lang="pt-BR" sz="1000" b="1" dirty="0">
+                <a:solidFill>
+                  <a:schemeClr val="tx1"/>
+                </a:solidFill>
+              </a:rPr>
+              <a:t>() e </a:t>
+            </a:r>
+            <a:r>
+              <a:rPr lang="pt-BR" sz="1000" b="1" dirty="0" err="1">
+                <a:solidFill>
+                  <a:schemeClr val="tx1"/>
+                </a:solidFill>
+              </a:rPr>
+              <a:t>editar_postagens</a:t>
+            </a:r>
+            <a:r>
+              <a:rPr lang="pt-BR" sz="1000" b="1" dirty="0">
+                <a:solidFill>
+                  <a:schemeClr val="tx1"/>
+                </a:solidFill>
+              </a:rPr>
+              <a:t>().</a:t>
+            </a:r>
+          </a:p>
+          <a:p>
+            <a:endParaRPr lang="pt-BR" sz="1000" b="1" dirty="0">
+              <a:solidFill>
+                <a:schemeClr val="tx1"/>
+              </a:solidFill>
+            </a:endParaRPr>
+          </a:p>
+          <a:p>
+            <a:endParaRPr lang="pt-BR" sz="1000" dirty="0"/>
+          </a:p>
+          <a:p>
+            <a:endParaRPr lang="pt-BR" sz="1000" dirty="0">
+              <a:solidFill>
+                <a:srgbClr val="00B050"/>
+              </a:solidFill>
+            </a:endParaRPr>
+          </a:p>
+        </p:txBody>
+      </p:sp>
+    </p:spTree>
+    <p:extLst>
+      <p:ext uri="{BB962C8B-B14F-4D97-AF65-F5344CB8AC3E}">
+        <p14:creationId xmlns:p14="http://schemas.microsoft.com/office/powerpoint/2010/main" val="2901943708"/>
+      </p:ext>
+    </p:extLst>
+  </p:cSld>
+  <p:clrMapOvr>
+    <a:masterClrMapping/>
+  </p:clrMapOvr>
+</p:sld>
+</file>
+
+<file path=ppt/slides/slide2.xml><?xml version="1.0" encoding="utf-8"?>
+<p:sld xmlns:a="http://schemas.openxmlformats.org/drawingml/2006/main" xmlns:r="http://schemas.openxmlformats.org/officeDocument/2006/relationships" xmlns:p="http://schemas.openxmlformats.org/presentationml/2006/main">
+  <p:cSld>
+    <p:spTree>
+      <p:nvGrpSpPr>
+        <p:cNvPr id="1" name="">
+          <a:extLst>
+            <a:ext uri="{FF2B5EF4-FFF2-40B4-BE49-F238E27FC236}">
+              <a16:creationId xmlns:a16="http://schemas.microsoft.com/office/drawing/2014/main" id="{C61AF197-255C-D427-E7A7-BDBA5AF0C0CD}"/>
+            </a:ext>
+          </a:extLst>
+        </p:cNvPr>
+        <p:cNvGrpSpPr/>
+        <p:nvPr/>
+      </p:nvGrpSpPr>
+      <p:grpSpPr>
+        <a:xfrm>
+          <a:off x="0" y="0"/>
+          <a:ext cx="0" cy="0"/>
+          <a:chOff x="0" y="0"/>
+          <a:chExt cx="0" cy="0"/>
+        </a:xfrm>
+      </p:grpSpPr>
+      <p:grpSp>
+        <p:nvGrpSpPr>
+          <p:cNvPr id="24" name="Agrupar 23">
+            <a:extLst>
+              <a:ext uri="{FF2B5EF4-FFF2-40B4-BE49-F238E27FC236}">
+                <a16:creationId xmlns:a16="http://schemas.microsoft.com/office/drawing/2014/main" id="{DE162E3E-7D11-238E-4212-DF5D9321BCB8}"/>
+              </a:ext>
+            </a:extLst>
+          </p:cNvPr>
+          <p:cNvGrpSpPr/>
+          <p:nvPr/>
+        </p:nvGrpSpPr>
+        <p:grpSpPr>
+          <a:xfrm>
+            <a:off x="1809652" y="3858710"/>
+            <a:ext cx="1885952" cy="2488515"/>
+            <a:chOff x="787400" y="1028700"/>
+            <a:chExt cx="2425700" cy="3507906"/>
+          </a:xfrm>
+        </p:grpSpPr>
+        <p:sp>
+          <p:nvSpPr>
+            <p:cNvPr id="25" name="Retângulo 24">
+              <a:extLst>
+                <a:ext uri="{FF2B5EF4-FFF2-40B4-BE49-F238E27FC236}">
+                  <a16:creationId xmlns:a16="http://schemas.microsoft.com/office/drawing/2014/main" id="{BCD41918-1578-679E-047A-67BDA926C774}"/>
+                </a:ext>
+              </a:extLst>
+            </p:cNvPr>
+            <p:cNvSpPr/>
+            <p:nvPr/>
+          </p:nvSpPr>
+          <p:spPr>
+            <a:xfrm>
+              <a:off x="787400" y="1460500"/>
+              <a:ext cx="2425700" cy="2108200"/>
+            </a:xfrm>
+            <a:prstGeom prst="rect">
+              <a:avLst/>
+            </a:prstGeom>
+            <a:solidFill>
+              <a:schemeClr val="bg1"/>
+            </a:solidFill>
+          </p:spPr>
+          <p:style>
+            <a:lnRef idx="2">
+              <a:schemeClr val="accent1">
+                <a:shade val="15000"/>
+              </a:schemeClr>
+            </a:lnRef>
+            <a:fillRef idx="1">
+              <a:schemeClr val="accent1"/>
+            </a:fillRef>
+            <a:effectRef idx="0">
+              <a:schemeClr val="accent1"/>
+            </a:effectRef>
+            <a:fontRef idx="minor">
+              <a:schemeClr val="lt1"/>
+            </a:fontRef>
+          </p:style>
+          <p:txBody>
+            <a:bodyPr rtlCol="0" anchor="ctr"/>
+            <a:lstStyle/>
+            <a:p>
+              <a:pPr algn="ctr"/>
+              <a:r>
+                <a:rPr lang="pt-BR" dirty="0"/>
+                <a:t>U</a:t>
+              </a:r>
+            </a:p>
+          </p:txBody>
+        </p:sp>
+        <p:sp>
+          <p:nvSpPr>
+            <p:cNvPr id="26" name="Retângulo 25">
+              <a:extLst>
+                <a:ext uri="{FF2B5EF4-FFF2-40B4-BE49-F238E27FC236}">
+                  <a16:creationId xmlns:a16="http://schemas.microsoft.com/office/drawing/2014/main" id="{A1DAD0BB-0A6B-7B20-1D14-B82B368B944F}"/>
+                </a:ext>
+              </a:extLst>
+            </p:cNvPr>
+            <p:cNvSpPr/>
+            <p:nvPr/>
+          </p:nvSpPr>
+          <p:spPr>
+            <a:xfrm>
+              <a:off x="787400" y="1028700"/>
               <a:ext cx="2425700" cy="431800"/>
             </a:xfrm>
             <a:prstGeom prst="rect">
@@ -4164,6 +6819,76 @@
             <a:p>
               <a:pPr algn="ctr"/>
               <a:r>
+                <a:rPr lang="pt-BR" sz="1400" dirty="0">
+                  <a:solidFill>
+                    <a:schemeClr val="tx1"/>
+                  </a:solidFill>
+                </a:rPr>
+                <a:t>Prefixado</a:t>
+              </a:r>
+            </a:p>
+          </p:txBody>
+        </p:sp>
+        <p:sp>
+          <p:nvSpPr>
+            <p:cNvPr id="27" name="Retângulo 26">
+              <a:extLst>
+                <a:ext uri="{FF2B5EF4-FFF2-40B4-BE49-F238E27FC236}">
+                  <a16:creationId xmlns:a16="http://schemas.microsoft.com/office/drawing/2014/main" id="{B52C21F9-FF0C-65A7-CBBC-8FE3436275BD}"/>
+                </a:ext>
+              </a:extLst>
+            </p:cNvPr>
+            <p:cNvSpPr/>
+            <p:nvPr/>
+          </p:nvSpPr>
+          <p:spPr>
+            <a:xfrm>
+              <a:off x="787400" y="3568699"/>
+              <a:ext cx="2425700" cy="967907"/>
+            </a:xfrm>
+            <a:prstGeom prst="rect">
+              <a:avLst/>
+            </a:prstGeom>
+            <a:solidFill>
+              <a:schemeClr val="bg1"/>
+            </a:solidFill>
+          </p:spPr>
+          <p:style>
+            <a:lnRef idx="2">
+              <a:schemeClr val="accent1">
+                <a:shade val="15000"/>
+              </a:schemeClr>
+            </a:lnRef>
+            <a:fillRef idx="1">
+              <a:schemeClr val="accent1"/>
+            </a:fillRef>
+            <a:effectRef idx="0">
+              <a:schemeClr val="accent1"/>
+            </a:effectRef>
+            <a:fontRef idx="minor">
+              <a:schemeClr val="lt1"/>
+            </a:fontRef>
+          </p:style>
+          <p:txBody>
+            <a:bodyPr rtlCol="0" anchor="ctr"/>
+            <a:lstStyle/>
+            <a:p>
+              <a:endParaRPr lang="pt-BR" sz="1000" b="1" dirty="0">
+                <a:solidFill>
+                  <a:schemeClr val="tx1"/>
+                </a:solidFill>
+              </a:endParaRPr>
+            </a:p>
+            <a:p>
+              <a:endParaRPr lang="pt-BR" sz="1000" b="1" dirty="0">
+                <a:solidFill>
+                  <a:schemeClr val="tx1"/>
+                </a:solidFill>
+              </a:endParaRPr>
+            </a:p>
+            <a:p>
+              <a:pPr algn="ctr"/>
+              <a:r>
                 <a:rPr lang="pt-BR" dirty="0"/>
                 <a:t>-</a:t>
               </a:r>
@@ -4173,10 +6898,10 @@
       </p:grpSp>
       <p:sp>
         <p:nvSpPr>
-          <p:cNvPr id="30" name="Losango 29">
-            <a:extLst>
-              <a:ext uri="{FF2B5EF4-FFF2-40B4-BE49-F238E27FC236}">
-                <a16:creationId xmlns:a16="http://schemas.microsoft.com/office/drawing/2014/main" id="{7F2B9018-7949-9595-852E-A426B796C6FC}"/>
+          <p:cNvPr id="43" name="Losango 42">
+            <a:extLst>
+              <a:ext uri="{FF2B5EF4-FFF2-40B4-BE49-F238E27FC236}">
+                <a16:creationId xmlns:a16="http://schemas.microsoft.com/office/drawing/2014/main" id="{3DDCBA97-DA8D-CC0C-E621-0E2FB0258F35}"/>
               </a:ext>
             </a:extLst>
           </p:cNvPr>
@@ -4185,7 +6910,7 @@
         </p:nvSpPr>
         <p:spPr>
           <a:xfrm>
-            <a:off x="5657506" y="2818041"/>
+            <a:off x="7571471" y="6547250"/>
             <a:ext cx="228600" cy="209550"/>
           </a:xfrm>
           <a:prstGeom prst="diamond">
@@ -4222,10 +6947,45 @@
       </p:sp>
       <p:sp>
         <p:nvSpPr>
-          <p:cNvPr id="31" name="Losango 30">
-            <a:extLst>
-              <a:ext uri="{FF2B5EF4-FFF2-40B4-BE49-F238E27FC236}">
-                <a16:creationId xmlns:a16="http://schemas.microsoft.com/office/drawing/2014/main" id="{ED395472-A35E-979E-7A8D-C9DEE1DD4506}"/>
+          <p:cNvPr id="44" name="CaixaDeTexto 43">
+            <a:extLst>
+              <a:ext uri="{FF2B5EF4-FFF2-40B4-BE49-F238E27FC236}">
+                <a16:creationId xmlns:a16="http://schemas.microsoft.com/office/drawing/2014/main" id="{917DD9DD-18DB-5911-D9A8-B3DE3C2E8AC1}"/>
+              </a:ext>
+            </a:extLst>
+          </p:cNvPr>
+          <p:cNvSpPr txBox="1"/>
+          <p:nvPr/>
+        </p:nvSpPr>
+        <p:spPr>
+          <a:xfrm>
+            <a:off x="7855963" y="6467359"/>
+            <a:ext cx="1391407" cy="369332"/>
+          </a:xfrm>
+          <a:prstGeom prst="rect">
+            <a:avLst/>
+          </a:prstGeom>
+          <a:noFill/>
+        </p:spPr>
+        <p:txBody>
+          <a:bodyPr wrap="none" rtlCol="0">
+            <a:spAutoFit/>
+          </a:bodyPr>
+          <a:lstStyle/>
+          <a:p>
+            <a:r>
+              <a:rPr lang="pt-BR" dirty="0"/>
+              <a:t>Composição:</a:t>
+            </a:r>
+          </a:p>
+        </p:txBody>
+      </p:sp>
+      <p:sp>
+        <p:nvSpPr>
+          <p:cNvPr id="45" name="Losango 44">
+            <a:extLst>
+              <a:ext uri="{FF2B5EF4-FFF2-40B4-BE49-F238E27FC236}">
+                <a16:creationId xmlns:a16="http://schemas.microsoft.com/office/drawing/2014/main" id="{F3A092AF-658E-804B-2004-533280DF6DD2}"/>
               </a:ext>
             </a:extLst>
           </p:cNvPr>
@@ -4234,7 +6994,7 @@
         </p:nvSpPr>
         <p:spPr>
           <a:xfrm>
-            <a:off x="3058533" y="2818041"/>
+            <a:off x="7573487" y="6956825"/>
             <a:ext cx="228600" cy="209550"/>
           </a:xfrm>
           <a:prstGeom prst="diamond">
@@ -4271,10 +7031,10 @@
       </p:sp>
       <p:sp>
         <p:nvSpPr>
-          <p:cNvPr id="32" name="CaixaDeTexto 31">
-            <a:extLst>
-              <a:ext uri="{FF2B5EF4-FFF2-40B4-BE49-F238E27FC236}">
-                <a16:creationId xmlns:a16="http://schemas.microsoft.com/office/drawing/2014/main" id="{D6B6620F-B847-12D6-F9E4-A05311A7E32B}"/>
+          <p:cNvPr id="46" name="CaixaDeTexto 45">
+            <a:extLst>
+              <a:ext uri="{FF2B5EF4-FFF2-40B4-BE49-F238E27FC236}">
+                <a16:creationId xmlns:a16="http://schemas.microsoft.com/office/drawing/2014/main" id="{2BF3E13F-C902-E3FD-ABD8-E43266B7B189}"/>
               </a:ext>
             </a:extLst>
           </p:cNvPr>
@@ -4283,460 +7043,7 @@
         </p:nvSpPr>
         <p:spPr>
           <a:xfrm>
-            <a:off x="3209726" y="2556431"/>
-            <a:ext cx="438149" cy="261610"/>
-          </a:xfrm>
-          <a:prstGeom prst="rect">
-            <a:avLst/>
-          </a:prstGeom>
-          <a:noFill/>
-        </p:spPr>
-        <p:txBody>
-          <a:bodyPr wrap="square" rtlCol="0">
-            <a:spAutoFit/>
-          </a:bodyPr>
-          <a:lstStyle/>
-          <a:p>
-            <a:r>
-              <a:rPr lang="pt-BR" sz="1100" dirty="0"/>
-              <a:t>tem</a:t>
-            </a:r>
-          </a:p>
-        </p:txBody>
-      </p:sp>
-      <p:sp>
-        <p:nvSpPr>
-          <p:cNvPr id="33" name="CaixaDeTexto 32">
-            <a:extLst>
-              <a:ext uri="{FF2B5EF4-FFF2-40B4-BE49-F238E27FC236}">
-                <a16:creationId xmlns:a16="http://schemas.microsoft.com/office/drawing/2014/main" id="{844A3D09-A1F5-BAF2-67D5-A186DA4E096F}"/>
-              </a:ext>
-            </a:extLst>
-          </p:cNvPr>
-          <p:cNvSpPr txBox="1"/>
-          <p:nvPr/>
-        </p:nvSpPr>
-        <p:spPr>
-          <a:xfrm>
-            <a:off x="5794594" y="2661205"/>
-            <a:ext cx="438149" cy="261610"/>
-          </a:xfrm>
-          <a:prstGeom prst="rect">
-            <a:avLst/>
-          </a:prstGeom>
-          <a:noFill/>
-        </p:spPr>
-        <p:txBody>
-          <a:bodyPr wrap="square" rtlCol="0">
-            <a:spAutoFit/>
-          </a:bodyPr>
-          <a:lstStyle/>
-          <a:p>
-            <a:r>
-              <a:rPr lang="pt-BR" sz="1100" dirty="0"/>
-              <a:t>tem</a:t>
-            </a:r>
-          </a:p>
-        </p:txBody>
-      </p:sp>
-      <p:sp>
-        <p:nvSpPr>
-          <p:cNvPr id="34" name="CaixaDeTexto 33">
-            <a:extLst>
-              <a:ext uri="{FF2B5EF4-FFF2-40B4-BE49-F238E27FC236}">
-                <a16:creationId xmlns:a16="http://schemas.microsoft.com/office/drawing/2014/main" id="{60DDBEA3-2731-816B-8C23-C6EA67A2CEEC}"/>
-              </a:ext>
-            </a:extLst>
-          </p:cNvPr>
-          <p:cNvSpPr txBox="1"/>
-          <p:nvPr/>
-        </p:nvSpPr>
-        <p:spPr>
-          <a:xfrm>
-            <a:off x="8319626" y="2661205"/>
-            <a:ext cx="438149" cy="261610"/>
-          </a:xfrm>
-          <a:prstGeom prst="rect">
-            <a:avLst/>
-          </a:prstGeom>
-          <a:noFill/>
-        </p:spPr>
-        <p:txBody>
-          <a:bodyPr wrap="square" rtlCol="0">
-            <a:spAutoFit/>
-          </a:bodyPr>
-          <a:lstStyle/>
-          <a:p>
-            <a:r>
-              <a:rPr lang="pt-BR" sz="1100" dirty="0"/>
-              <a:t>tem</a:t>
-            </a:r>
-          </a:p>
-        </p:txBody>
-      </p:sp>
-      <p:sp>
-        <p:nvSpPr>
-          <p:cNvPr id="36" name="CaixaDeTexto 35">
-            <a:extLst>
-              <a:ext uri="{FF2B5EF4-FFF2-40B4-BE49-F238E27FC236}">
-                <a16:creationId xmlns:a16="http://schemas.microsoft.com/office/drawing/2014/main" id="{81BE9456-BB3F-CA7A-7706-DA17FBADF1A8}"/>
-              </a:ext>
-            </a:extLst>
-          </p:cNvPr>
-          <p:cNvSpPr txBox="1"/>
-          <p:nvPr/>
-        </p:nvSpPr>
-        <p:spPr>
-          <a:xfrm>
-            <a:off x="1175653" y="2245706"/>
-            <a:ext cx="1263432" cy="830997"/>
-          </a:xfrm>
-          <a:prstGeom prst="rect">
-            <a:avLst/>
-          </a:prstGeom>
-          <a:noFill/>
-        </p:spPr>
-        <p:txBody>
-          <a:bodyPr wrap="square" rtlCol="0">
-            <a:spAutoFit/>
-          </a:bodyPr>
-          <a:lstStyle/>
-          <a:p>
-            <a:r>
-              <a:rPr lang="pt-BR" sz="1200" dirty="0"/>
-              <a:t>- id: </a:t>
-            </a:r>
-            <a:r>
-              <a:rPr lang="pt-BR" sz="1200" dirty="0" err="1"/>
-              <a:t>int</a:t>
-            </a:r>
-            <a:endParaRPr lang="pt-BR" sz="1200" dirty="0"/>
-          </a:p>
-          <a:p>
-            <a:r>
-              <a:rPr lang="pt-BR" sz="1200" dirty="0"/>
-              <a:t>- nome: </a:t>
-            </a:r>
-            <a:r>
-              <a:rPr lang="pt-BR" sz="1200" dirty="0" err="1"/>
-              <a:t>str</a:t>
-            </a:r>
-            <a:endParaRPr lang="pt-BR" sz="1200" dirty="0"/>
-          </a:p>
-          <a:p>
-            <a:endParaRPr lang="pt-BR" sz="1200" dirty="0"/>
-          </a:p>
-          <a:p>
-            <a:pPr marL="285750" indent="-285750">
-              <a:buFontTx/>
-              <a:buChar char="-"/>
-            </a:pPr>
-            <a:endParaRPr lang="pt-BR" sz="1200" dirty="0"/>
-          </a:p>
-        </p:txBody>
-      </p:sp>
-      <p:sp>
-        <p:nvSpPr>
-          <p:cNvPr id="37" name="Triângulo isósceles 36">
-            <a:extLst>
-              <a:ext uri="{FF2B5EF4-FFF2-40B4-BE49-F238E27FC236}">
-                <a16:creationId xmlns:a16="http://schemas.microsoft.com/office/drawing/2014/main" id="{75BC3DDB-07BF-1413-E780-1CCDD8FEEB86}"/>
-              </a:ext>
-            </a:extLst>
-          </p:cNvPr>
-          <p:cNvSpPr/>
-          <p:nvPr/>
-        </p:nvSpPr>
-        <p:spPr>
-          <a:xfrm rot="5400000">
-            <a:off x="3633315" y="2780790"/>
-            <a:ext cx="144574" cy="93552"/>
-          </a:xfrm>
-          <a:prstGeom prst="triangle">
-            <a:avLst/>
-          </a:prstGeom>
-          <a:solidFill>
-            <a:schemeClr val="tx1"/>
-          </a:solidFill>
-        </p:spPr>
-        <p:style>
-          <a:lnRef idx="2">
-            <a:schemeClr val="accent1">
-              <a:shade val="15000"/>
-            </a:schemeClr>
-          </a:lnRef>
-          <a:fillRef idx="1">
-            <a:schemeClr val="accent1"/>
-          </a:fillRef>
-          <a:effectRef idx="0">
-            <a:schemeClr val="accent1"/>
-          </a:effectRef>
-          <a:fontRef idx="minor">
-            <a:schemeClr val="lt1"/>
-          </a:fontRef>
-        </p:style>
-        <p:txBody>
-          <a:bodyPr rtlCol="0" anchor="ctr"/>
-          <a:lstStyle/>
-          <a:p>
-            <a:pPr algn="ctr"/>
-            <a:endParaRPr lang="pt-BR"/>
-          </a:p>
-        </p:txBody>
-      </p:sp>
-      <p:sp>
-        <p:nvSpPr>
-          <p:cNvPr id="39" name="CaixaDeTexto 38">
-            <a:extLst>
-              <a:ext uri="{FF2B5EF4-FFF2-40B4-BE49-F238E27FC236}">
-                <a16:creationId xmlns:a16="http://schemas.microsoft.com/office/drawing/2014/main" id="{3F9D1544-24BF-D105-EB27-DE6B7D1F3EFD}"/>
-              </a:ext>
-            </a:extLst>
-          </p:cNvPr>
-          <p:cNvSpPr txBox="1"/>
-          <p:nvPr/>
-        </p:nvSpPr>
-        <p:spPr>
-          <a:xfrm>
-            <a:off x="3497627" y="2481355"/>
-            <a:ext cx="556529" cy="246221"/>
-          </a:xfrm>
-          <a:prstGeom prst="rect">
-            <a:avLst/>
-          </a:prstGeom>
-          <a:noFill/>
-        </p:spPr>
-        <p:txBody>
-          <a:bodyPr wrap="square">
-            <a:spAutoFit/>
-          </a:bodyPr>
-          <a:lstStyle/>
-          <a:p>
-            <a:r>
-              <a:rPr lang="pt-BR" sz="1000" dirty="0"/>
-              <a:t>1..*</a:t>
-            </a:r>
-          </a:p>
-        </p:txBody>
-      </p:sp>
-      <p:sp>
-        <p:nvSpPr>
-          <p:cNvPr id="40" name="CaixaDeTexto 39">
-            <a:extLst>
-              <a:ext uri="{FF2B5EF4-FFF2-40B4-BE49-F238E27FC236}">
-                <a16:creationId xmlns:a16="http://schemas.microsoft.com/office/drawing/2014/main" id="{F85E57E9-2AE3-19BF-F1E9-1BFEDE4C6C55}"/>
-              </a:ext>
-            </a:extLst>
-          </p:cNvPr>
-          <p:cNvSpPr txBox="1"/>
-          <p:nvPr/>
-        </p:nvSpPr>
-        <p:spPr>
-          <a:xfrm>
-            <a:off x="6061622" y="2409576"/>
-            <a:ext cx="556529" cy="246221"/>
-          </a:xfrm>
-          <a:prstGeom prst="rect">
-            <a:avLst/>
-          </a:prstGeom>
-          <a:noFill/>
-        </p:spPr>
-        <p:txBody>
-          <a:bodyPr wrap="square">
-            <a:spAutoFit/>
-          </a:bodyPr>
-          <a:lstStyle/>
-          <a:p>
-            <a:r>
-              <a:rPr lang="pt-BR" sz="1000" dirty="0"/>
-              <a:t>1..*</a:t>
-            </a:r>
-          </a:p>
-        </p:txBody>
-      </p:sp>
-      <p:sp>
-        <p:nvSpPr>
-          <p:cNvPr id="42" name="CaixaDeTexto 41">
-            <a:extLst>
-              <a:ext uri="{FF2B5EF4-FFF2-40B4-BE49-F238E27FC236}">
-                <a16:creationId xmlns:a16="http://schemas.microsoft.com/office/drawing/2014/main" id="{4016BA30-F796-C7F5-934A-DC8F9F25BE28}"/>
-              </a:ext>
-            </a:extLst>
-          </p:cNvPr>
-          <p:cNvSpPr txBox="1"/>
-          <p:nvPr/>
-        </p:nvSpPr>
-        <p:spPr>
-          <a:xfrm>
-            <a:off x="3019425" y="2587048"/>
-            <a:ext cx="307524" cy="261610"/>
-          </a:xfrm>
-          <a:prstGeom prst="rect">
-            <a:avLst/>
-          </a:prstGeom>
-          <a:noFill/>
-        </p:spPr>
-        <p:txBody>
-          <a:bodyPr wrap="square">
-            <a:spAutoFit/>
-          </a:bodyPr>
-          <a:lstStyle/>
-          <a:p>
-            <a:r>
-              <a:rPr lang="pt-BR" sz="1050" dirty="0"/>
-              <a:t>1</a:t>
-            </a:r>
-          </a:p>
-        </p:txBody>
-      </p:sp>
-      <p:sp>
-        <p:nvSpPr>
-          <p:cNvPr id="43" name="Losango 42">
-            <a:extLst>
-              <a:ext uri="{FF2B5EF4-FFF2-40B4-BE49-F238E27FC236}">
-                <a16:creationId xmlns:a16="http://schemas.microsoft.com/office/drawing/2014/main" id="{F2D5BD1D-68BA-839F-4908-ABD55105733C}"/>
-              </a:ext>
-            </a:extLst>
-          </p:cNvPr>
-          <p:cNvSpPr/>
-          <p:nvPr/>
-        </p:nvSpPr>
-        <p:spPr>
-          <a:xfrm>
-            <a:off x="1266481" y="5094516"/>
-            <a:ext cx="228600" cy="209550"/>
-          </a:xfrm>
-          <a:prstGeom prst="diamond">
-            <a:avLst/>
-          </a:prstGeom>
-          <a:solidFill>
-            <a:schemeClr val="tx1"/>
-          </a:solidFill>
-        </p:spPr>
-        <p:style>
-          <a:lnRef idx="2">
-            <a:schemeClr val="accent1">
-              <a:shade val="15000"/>
-            </a:schemeClr>
-          </a:lnRef>
-          <a:fillRef idx="1">
-            <a:schemeClr val="accent1"/>
-          </a:fillRef>
-          <a:effectRef idx="0">
-            <a:schemeClr val="accent1"/>
-          </a:effectRef>
-          <a:fontRef idx="minor">
-            <a:schemeClr val="lt1"/>
-          </a:fontRef>
-        </p:style>
-        <p:txBody>
-          <a:bodyPr rtlCol="0" anchor="ctr"/>
-          <a:lstStyle/>
-          <a:p>
-            <a:pPr algn="ctr"/>
-            <a:endParaRPr lang="pt-BR"/>
-          </a:p>
-        </p:txBody>
-      </p:sp>
-      <p:sp>
-        <p:nvSpPr>
-          <p:cNvPr id="44" name="CaixaDeTexto 43">
-            <a:extLst>
-              <a:ext uri="{FF2B5EF4-FFF2-40B4-BE49-F238E27FC236}">
-                <a16:creationId xmlns:a16="http://schemas.microsoft.com/office/drawing/2014/main" id="{4B5075AE-1BA5-8807-ED10-53ECD7D023BC}"/>
-              </a:ext>
-            </a:extLst>
-          </p:cNvPr>
-          <p:cNvSpPr txBox="1"/>
-          <p:nvPr/>
-        </p:nvSpPr>
-        <p:spPr>
-          <a:xfrm>
-            <a:off x="1550973" y="5014625"/>
-            <a:ext cx="1391407" cy="369332"/>
-          </a:xfrm>
-          <a:prstGeom prst="rect">
-            <a:avLst/>
-          </a:prstGeom>
-          <a:noFill/>
-        </p:spPr>
-        <p:txBody>
-          <a:bodyPr wrap="none" rtlCol="0">
-            <a:spAutoFit/>
-          </a:bodyPr>
-          <a:lstStyle/>
-          <a:p>
-            <a:r>
-              <a:rPr lang="pt-BR" dirty="0"/>
-              <a:t>Composição:</a:t>
-            </a:r>
-          </a:p>
-        </p:txBody>
-      </p:sp>
-      <p:sp>
-        <p:nvSpPr>
-          <p:cNvPr id="45" name="Losango 44">
-            <a:extLst>
-              <a:ext uri="{FF2B5EF4-FFF2-40B4-BE49-F238E27FC236}">
-                <a16:creationId xmlns:a16="http://schemas.microsoft.com/office/drawing/2014/main" id="{66FF3629-9F8A-2D5F-31C5-05EEC5A2508C}"/>
-              </a:ext>
-            </a:extLst>
-          </p:cNvPr>
-          <p:cNvSpPr/>
-          <p:nvPr/>
-        </p:nvSpPr>
-        <p:spPr>
-          <a:xfrm>
-            <a:off x="1268497" y="5504091"/>
-            <a:ext cx="228600" cy="209550"/>
-          </a:xfrm>
-          <a:prstGeom prst="diamond">
-            <a:avLst/>
-          </a:prstGeom>
-          <a:solidFill>
-            <a:schemeClr val="bg1"/>
-          </a:solidFill>
-        </p:spPr>
-        <p:style>
-          <a:lnRef idx="2">
-            <a:schemeClr val="accent1">
-              <a:shade val="15000"/>
-            </a:schemeClr>
-          </a:lnRef>
-          <a:fillRef idx="1">
-            <a:schemeClr val="accent1"/>
-          </a:fillRef>
-          <a:effectRef idx="0">
-            <a:schemeClr val="accent1"/>
-          </a:effectRef>
-          <a:fontRef idx="minor">
-            <a:schemeClr val="lt1"/>
-          </a:fontRef>
-        </p:style>
-        <p:txBody>
-          <a:bodyPr rtlCol="0" anchor="ctr"/>
-          <a:lstStyle/>
-          <a:p>
-            <a:pPr algn="ctr"/>
-            <a:endParaRPr lang="pt-BR"/>
-          </a:p>
-        </p:txBody>
-      </p:sp>
-      <p:sp>
-        <p:nvSpPr>
-          <p:cNvPr id="46" name="CaixaDeTexto 45">
-            <a:extLst>
-              <a:ext uri="{FF2B5EF4-FFF2-40B4-BE49-F238E27FC236}">
-                <a16:creationId xmlns:a16="http://schemas.microsoft.com/office/drawing/2014/main" id="{3DDE3DAC-D404-7D68-A062-BCB5014167DF}"/>
-              </a:ext>
-            </a:extLst>
-          </p:cNvPr>
-          <p:cNvSpPr txBox="1"/>
-          <p:nvPr/>
-        </p:nvSpPr>
-        <p:spPr>
-          <a:xfrm>
-            <a:off x="1578290" y="5424200"/>
+            <a:off x="7883280" y="6876934"/>
             <a:ext cx="1225400" cy="369332"/>
           </a:xfrm>
           <a:prstGeom prst="rect">
@@ -4762,7 +7069,7 @@
           <p:cNvPr id="47" name="Conector reto 46">
             <a:extLst>
               <a:ext uri="{FF2B5EF4-FFF2-40B4-BE49-F238E27FC236}">
-                <a16:creationId xmlns:a16="http://schemas.microsoft.com/office/drawing/2014/main" id="{5483351E-217D-60D4-651F-12C5913F266D}"/>
+                <a16:creationId xmlns:a16="http://schemas.microsoft.com/office/drawing/2014/main" id="{96DD0913-154B-15EB-BCA5-1F058EBE337E}"/>
               </a:ext>
             </a:extLst>
           </p:cNvPr>
@@ -4773,7 +7080,7 @@
         </p:nvCxnSpPr>
         <p:spPr>
           <a:xfrm>
-            <a:off x="1265700" y="5989866"/>
+            <a:off x="7570690" y="7442600"/>
             <a:ext cx="237648" cy="0"/>
           </a:xfrm>
           <a:prstGeom prst="line">
@@ -4800,7 +7107,7 @@
           <p:cNvPr id="49" name="CaixaDeTexto 48">
             <a:extLst>
               <a:ext uri="{FF2B5EF4-FFF2-40B4-BE49-F238E27FC236}">
-                <a16:creationId xmlns:a16="http://schemas.microsoft.com/office/drawing/2014/main" id="{64A2324C-C261-AF49-3D18-D0B049EDEAAA}"/>
+                <a16:creationId xmlns:a16="http://schemas.microsoft.com/office/drawing/2014/main" id="{EC6200F4-D09B-1775-B65C-394E81FD6EE2}"/>
               </a:ext>
             </a:extLst>
           </p:cNvPr>
@@ -4809,7 +7116,7 @@
         </p:nvSpPr>
         <p:spPr>
           <a:xfrm>
-            <a:off x="1568765" y="5795675"/>
+            <a:off x="7873755" y="7248409"/>
             <a:ext cx="1324080" cy="369332"/>
           </a:xfrm>
           <a:prstGeom prst="rect">
@@ -4832,143 +7139,10 @@
       </p:sp>
       <p:sp>
         <p:nvSpPr>
-          <p:cNvPr id="50" name="Losango 49">
-            <a:extLst>
-              <a:ext uri="{FF2B5EF4-FFF2-40B4-BE49-F238E27FC236}">
-                <a16:creationId xmlns:a16="http://schemas.microsoft.com/office/drawing/2014/main" id="{9FB0984B-5D38-D0F9-1A4C-2944AC770BD9}"/>
-              </a:ext>
-            </a:extLst>
-          </p:cNvPr>
-          <p:cNvSpPr/>
-          <p:nvPr/>
-        </p:nvSpPr>
-        <p:spPr>
-          <a:xfrm>
-            <a:off x="8640083" y="2808630"/>
-            <a:ext cx="228600" cy="209550"/>
-          </a:xfrm>
-          <a:prstGeom prst="diamond">
-            <a:avLst/>
-          </a:prstGeom>
-          <a:solidFill>
-            <a:schemeClr val="tx1"/>
-          </a:solidFill>
-        </p:spPr>
-        <p:style>
-          <a:lnRef idx="2">
-            <a:schemeClr val="accent1">
-              <a:shade val="15000"/>
-            </a:schemeClr>
-          </a:lnRef>
-          <a:fillRef idx="1">
-            <a:schemeClr val="accent1"/>
-          </a:fillRef>
-          <a:effectRef idx="0">
-            <a:schemeClr val="accent1"/>
-          </a:effectRef>
-          <a:fontRef idx="minor">
-            <a:schemeClr val="lt1"/>
-          </a:fontRef>
-        </p:style>
-        <p:txBody>
-          <a:bodyPr rtlCol="0" anchor="ctr"/>
-          <a:lstStyle/>
-          <a:p>
-            <a:pPr algn="ctr"/>
-            <a:endParaRPr lang="pt-BR"/>
-          </a:p>
-        </p:txBody>
-      </p:sp>
-      <p:sp>
-        <p:nvSpPr>
-          <p:cNvPr id="51" name="Triângulo isósceles 50">
-            <a:extLst>
-              <a:ext uri="{FF2B5EF4-FFF2-40B4-BE49-F238E27FC236}">
-                <a16:creationId xmlns:a16="http://schemas.microsoft.com/office/drawing/2014/main" id="{D1C3C807-9202-84FF-E1DB-88DFFDD6C765}"/>
-              </a:ext>
-            </a:extLst>
-          </p:cNvPr>
-          <p:cNvSpPr/>
-          <p:nvPr/>
-        </p:nvSpPr>
-        <p:spPr>
-          <a:xfrm rot="5400000">
-            <a:off x="6233305" y="2805566"/>
-            <a:ext cx="144574" cy="93552"/>
-          </a:xfrm>
-          <a:prstGeom prst="triangle">
-            <a:avLst/>
-          </a:prstGeom>
-          <a:solidFill>
-            <a:schemeClr val="tx1"/>
-          </a:solidFill>
-        </p:spPr>
-        <p:style>
-          <a:lnRef idx="2">
-            <a:schemeClr val="accent1">
-              <a:shade val="15000"/>
-            </a:schemeClr>
-          </a:lnRef>
-          <a:fillRef idx="1">
-            <a:schemeClr val="accent1"/>
-          </a:fillRef>
-          <a:effectRef idx="0">
-            <a:schemeClr val="accent1"/>
-          </a:effectRef>
-          <a:fontRef idx="minor">
-            <a:schemeClr val="lt1"/>
-          </a:fontRef>
-        </p:style>
-        <p:txBody>
-          <a:bodyPr rtlCol="0" anchor="ctr"/>
-          <a:lstStyle/>
-          <a:p>
-            <a:pPr algn="ctr"/>
-            <a:endParaRPr lang="pt-BR"/>
-          </a:p>
-        </p:txBody>
-      </p:sp>
-      <p:sp>
-        <p:nvSpPr>
-          <p:cNvPr id="52" name="CaixaDeTexto 51">
-            <a:extLst>
-              <a:ext uri="{FF2B5EF4-FFF2-40B4-BE49-F238E27FC236}">
-                <a16:creationId xmlns:a16="http://schemas.microsoft.com/office/drawing/2014/main" id="{B87125B6-6A9D-02BC-C14F-C7E1657FC10A}"/>
-              </a:ext>
-            </a:extLst>
-          </p:cNvPr>
-          <p:cNvSpPr txBox="1"/>
-          <p:nvPr/>
-        </p:nvSpPr>
-        <p:spPr>
-          <a:xfrm>
-            <a:off x="8534965" y="2523435"/>
-            <a:ext cx="556529" cy="246221"/>
-          </a:xfrm>
-          <a:prstGeom prst="rect">
-            <a:avLst/>
-          </a:prstGeom>
-          <a:noFill/>
-        </p:spPr>
-        <p:txBody>
-          <a:bodyPr wrap="square">
-            <a:spAutoFit/>
-          </a:bodyPr>
-          <a:lstStyle/>
-          <a:p>
-            <a:r>
-              <a:rPr lang="pt-BR" sz="1000" dirty="0"/>
-              <a:t>1..*</a:t>
-            </a:r>
-          </a:p>
-        </p:txBody>
-      </p:sp>
-      <p:sp>
-        <p:nvSpPr>
           <p:cNvPr id="53" name="CaixaDeTexto 52">
             <a:extLst>
               <a:ext uri="{FF2B5EF4-FFF2-40B4-BE49-F238E27FC236}">
-                <a16:creationId xmlns:a16="http://schemas.microsoft.com/office/drawing/2014/main" id="{7030C805-9DE7-641E-27B1-8999D0863B20}"/>
+                <a16:creationId xmlns:a16="http://schemas.microsoft.com/office/drawing/2014/main" id="{C197931A-B88C-36B1-211F-1CC449CF4EDE}"/>
               </a:ext>
             </a:extLst>
           </p:cNvPr>
@@ -4993,7 +7167,7 @@
           <a:p>
             <a:r>
               <a:rPr lang="pt-BR" dirty="0"/>
-              <a:t>Entrega 2: UML</a:t>
+              <a:t>Entrega 3: UML</a:t>
             </a:r>
           </a:p>
         </p:txBody>
@@ -5003,7 +7177,7 @@
           <p:cNvPr id="54" name="Imagem 53">
             <a:extLst>
               <a:ext uri="{FF2B5EF4-FFF2-40B4-BE49-F238E27FC236}">
-                <a16:creationId xmlns:a16="http://schemas.microsoft.com/office/drawing/2014/main" id="{D9BDB729-49A3-9801-3224-713B746FE573}"/>
+                <a16:creationId xmlns:a16="http://schemas.microsoft.com/office/drawing/2014/main" id="{CA2C3A73-8332-E077-5D1E-A829731DF179}"/>
               </a:ext>
             </a:extLst>
           </p:cNvPr>
@@ -5028,12 +7202,751 @@
           </a:prstGeom>
         </p:spPr>
       </p:pic>
-      <p:sp>
-        <p:nvSpPr>
-          <p:cNvPr id="55" name="CaixaDeTexto 54">
-            <a:extLst>
-              <a:ext uri="{FF2B5EF4-FFF2-40B4-BE49-F238E27FC236}">
-                <a16:creationId xmlns:a16="http://schemas.microsoft.com/office/drawing/2014/main" id="{58B2E534-0DF7-D982-DA20-A47B50102005}"/>
+      <p:grpSp>
+        <p:nvGrpSpPr>
+          <p:cNvPr id="2" name="Agrupar 1">
+            <a:extLst>
+              <a:ext uri="{FF2B5EF4-FFF2-40B4-BE49-F238E27FC236}">
+                <a16:creationId xmlns:a16="http://schemas.microsoft.com/office/drawing/2014/main" id="{4DE81CF3-A2E3-FA4B-1708-CB3843DDE0CD}"/>
+              </a:ext>
+            </a:extLst>
+          </p:cNvPr>
+          <p:cNvGrpSpPr/>
+          <p:nvPr/>
+        </p:nvGrpSpPr>
+        <p:grpSpPr>
+          <a:xfrm>
+            <a:off x="5226175" y="3858710"/>
+            <a:ext cx="1885952" cy="2488515"/>
+            <a:chOff x="787400" y="1028700"/>
+            <a:chExt cx="2425700" cy="3507906"/>
+          </a:xfrm>
+        </p:grpSpPr>
+        <p:sp>
+          <p:nvSpPr>
+            <p:cNvPr id="3" name="Retângulo 2">
+              <a:extLst>
+                <a:ext uri="{FF2B5EF4-FFF2-40B4-BE49-F238E27FC236}">
+                  <a16:creationId xmlns:a16="http://schemas.microsoft.com/office/drawing/2014/main" id="{9C36FE75-92A0-38D3-84FE-B3EE10C25E3B}"/>
+                </a:ext>
+              </a:extLst>
+            </p:cNvPr>
+            <p:cNvSpPr/>
+            <p:nvPr/>
+          </p:nvSpPr>
+          <p:spPr>
+            <a:xfrm>
+              <a:off x="787400" y="1460500"/>
+              <a:ext cx="2425700" cy="2108200"/>
+            </a:xfrm>
+            <a:prstGeom prst="rect">
+              <a:avLst/>
+            </a:prstGeom>
+            <a:solidFill>
+              <a:schemeClr val="bg1"/>
+            </a:solidFill>
+          </p:spPr>
+          <p:style>
+            <a:lnRef idx="2">
+              <a:schemeClr val="accent1">
+                <a:shade val="15000"/>
+              </a:schemeClr>
+            </a:lnRef>
+            <a:fillRef idx="1">
+              <a:schemeClr val="accent1"/>
+            </a:fillRef>
+            <a:effectRef idx="0">
+              <a:schemeClr val="accent1"/>
+            </a:effectRef>
+            <a:fontRef idx="minor">
+              <a:schemeClr val="lt1"/>
+            </a:fontRef>
+          </p:style>
+          <p:txBody>
+            <a:bodyPr rtlCol="0" anchor="ctr"/>
+            <a:lstStyle/>
+            <a:p>
+              <a:pPr algn="ctr"/>
+              <a:r>
+                <a:rPr lang="pt-BR" dirty="0"/>
+                <a:t>U</a:t>
+              </a:r>
+            </a:p>
+          </p:txBody>
+        </p:sp>
+        <p:sp>
+          <p:nvSpPr>
+            <p:cNvPr id="12" name="Retângulo 11">
+              <a:extLst>
+                <a:ext uri="{FF2B5EF4-FFF2-40B4-BE49-F238E27FC236}">
+                  <a16:creationId xmlns:a16="http://schemas.microsoft.com/office/drawing/2014/main" id="{E613B81D-59F6-F6FB-DA8A-5F4B2B6F3FFE}"/>
+                </a:ext>
+              </a:extLst>
+            </p:cNvPr>
+            <p:cNvSpPr/>
+            <p:nvPr/>
+          </p:nvSpPr>
+          <p:spPr>
+            <a:xfrm>
+              <a:off x="787400" y="1028700"/>
+              <a:ext cx="2425700" cy="431800"/>
+            </a:xfrm>
+            <a:prstGeom prst="rect">
+              <a:avLst/>
+            </a:prstGeom>
+            <a:solidFill>
+              <a:schemeClr val="bg1"/>
+            </a:solidFill>
+          </p:spPr>
+          <p:style>
+            <a:lnRef idx="2">
+              <a:schemeClr val="accent1">
+                <a:shade val="15000"/>
+              </a:schemeClr>
+            </a:lnRef>
+            <a:fillRef idx="1">
+              <a:schemeClr val="accent1"/>
+            </a:fillRef>
+            <a:effectRef idx="0">
+              <a:schemeClr val="accent1"/>
+            </a:effectRef>
+            <a:fontRef idx="minor">
+              <a:schemeClr val="lt1"/>
+            </a:fontRef>
+          </p:style>
+          <p:txBody>
+            <a:bodyPr rtlCol="0" anchor="ctr"/>
+            <a:lstStyle/>
+            <a:p>
+              <a:pPr algn="ctr"/>
+              <a:r>
+                <a:rPr lang="pt-BR" sz="1400" dirty="0" err="1">
+                  <a:solidFill>
+                    <a:schemeClr val="tx1"/>
+                  </a:solidFill>
+                </a:rPr>
+                <a:t>Ipca</a:t>
+              </a:r>
+              <a:r>
+                <a:rPr lang="pt-BR" sz="1400" dirty="0">
+                  <a:solidFill>
+                    <a:schemeClr val="tx1"/>
+                  </a:solidFill>
+                </a:rPr>
+                <a:t>+</a:t>
+              </a:r>
+            </a:p>
+          </p:txBody>
+        </p:sp>
+        <p:sp>
+          <p:nvSpPr>
+            <p:cNvPr id="13" name="Retângulo 12">
+              <a:extLst>
+                <a:ext uri="{FF2B5EF4-FFF2-40B4-BE49-F238E27FC236}">
+                  <a16:creationId xmlns:a16="http://schemas.microsoft.com/office/drawing/2014/main" id="{229B892B-9C6E-C9D0-0C03-E82BCA918E6F}"/>
+                </a:ext>
+              </a:extLst>
+            </p:cNvPr>
+            <p:cNvSpPr/>
+            <p:nvPr/>
+          </p:nvSpPr>
+          <p:spPr>
+            <a:xfrm>
+              <a:off x="787400" y="3568699"/>
+              <a:ext cx="2425700" cy="967907"/>
+            </a:xfrm>
+            <a:prstGeom prst="rect">
+              <a:avLst/>
+            </a:prstGeom>
+            <a:solidFill>
+              <a:schemeClr val="bg1"/>
+            </a:solidFill>
+          </p:spPr>
+          <p:style>
+            <a:lnRef idx="2">
+              <a:schemeClr val="accent1">
+                <a:shade val="15000"/>
+              </a:schemeClr>
+            </a:lnRef>
+            <a:fillRef idx="1">
+              <a:schemeClr val="accent1"/>
+            </a:fillRef>
+            <a:effectRef idx="0">
+              <a:schemeClr val="accent1"/>
+            </a:effectRef>
+            <a:fontRef idx="minor">
+              <a:schemeClr val="lt1"/>
+            </a:fontRef>
+          </p:style>
+          <p:txBody>
+            <a:bodyPr rtlCol="0" anchor="ctr"/>
+            <a:lstStyle/>
+            <a:p>
+              <a:endParaRPr lang="pt-BR" sz="1000" b="1" dirty="0">
+                <a:solidFill>
+                  <a:schemeClr val="tx1"/>
+                </a:solidFill>
+              </a:endParaRPr>
+            </a:p>
+            <a:p>
+              <a:endParaRPr lang="pt-BR" sz="1000" b="1" dirty="0">
+                <a:solidFill>
+                  <a:schemeClr val="tx1"/>
+                </a:solidFill>
+              </a:endParaRPr>
+            </a:p>
+            <a:p>
+              <a:pPr algn="ctr"/>
+              <a:r>
+                <a:rPr lang="pt-BR" dirty="0"/>
+                <a:t>-</a:t>
+              </a:r>
+            </a:p>
+          </p:txBody>
+        </p:sp>
+      </p:grpSp>
+      <p:grpSp>
+        <p:nvGrpSpPr>
+          <p:cNvPr id="18" name="Agrupar 17">
+            <a:extLst>
+              <a:ext uri="{FF2B5EF4-FFF2-40B4-BE49-F238E27FC236}">
+                <a16:creationId xmlns:a16="http://schemas.microsoft.com/office/drawing/2014/main" id="{CB7987D4-BA55-EE78-82F6-874013EACD90}"/>
+              </a:ext>
+            </a:extLst>
+          </p:cNvPr>
+          <p:cNvGrpSpPr/>
+          <p:nvPr/>
+        </p:nvGrpSpPr>
+        <p:grpSpPr>
+          <a:xfrm>
+            <a:off x="8496395" y="3858710"/>
+            <a:ext cx="1885952" cy="2488515"/>
+            <a:chOff x="787400" y="1028700"/>
+            <a:chExt cx="2425700" cy="3507906"/>
+          </a:xfrm>
+        </p:grpSpPr>
+        <p:sp>
+          <p:nvSpPr>
+            <p:cNvPr id="19" name="Retângulo 18">
+              <a:extLst>
+                <a:ext uri="{FF2B5EF4-FFF2-40B4-BE49-F238E27FC236}">
+                  <a16:creationId xmlns:a16="http://schemas.microsoft.com/office/drawing/2014/main" id="{B67B05C2-9690-AFE9-DFB3-34B9AA3E7222}"/>
+                </a:ext>
+              </a:extLst>
+            </p:cNvPr>
+            <p:cNvSpPr/>
+            <p:nvPr/>
+          </p:nvSpPr>
+          <p:spPr>
+            <a:xfrm>
+              <a:off x="787400" y="1460500"/>
+              <a:ext cx="2425700" cy="2108200"/>
+            </a:xfrm>
+            <a:prstGeom prst="rect">
+              <a:avLst/>
+            </a:prstGeom>
+            <a:solidFill>
+              <a:schemeClr val="bg1"/>
+            </a:solidFill>
+          </p:spPr>
+          <p:style>
+            <a:lnRef idx="2">
+              <a:schemeClr val="accent1">
+                <a:shade val="15000"/>
+              </a:schemeClr>
+            </a:lnRef>
+            <a:fillRef idx="1">
+              <a:schemeClr val="accent1"/>
+            </a:fillRef>
+            <a:effectRef idx="0">
+              <a:schemeClr val="accent1"/>
+            </a:effectRef>
+            <a:fontRef idx="minor">
+              <a:schemeClr val="lt1"/>
+            </a:fontRef>
+          </p:style>
+          <p:txBody>
+            <a:bodyPr rtlCol="0" anchor="ctr"/>
+            <a:lstStyle/>
+            <a:p>
+              <a:pPr algn="ctr"/>
+              <a:r>
+                <a:rPr lang="pt-BR" dirty="0"/>
+                <a:t>U</a:t>
+              </a:r>
+            </a:p>
+          </p:txBody>
+        </p:sp>
+        <p:sp>
+          <p:nvSpPr>
+            <p:cNvPr id="28" name="Retângulo 27">
+              <a:extLst>
+                <a:ext uri="{FF2B5EF4-FFF2-40B4-BE49-F238E27FC236}">
+                  <a16:creationId xmlns:a16="http://schemas.microsoft.com/office/drawing/2014/main" id="{A1CF701E-EAAB-ED0D-6FED-303214E26D03}"/>
+                </a:ext>
+              </a:extLst>
+            </p:cNvPr>
+            <p:cNvSpPr/>
+            <p:nvPr/>
+          </p:nvSpPr>
+          <p:spPr>
+            <a:xfrm>
+              <a:off x="787400" y="1028700"/>
+              <a:ext cx="2425700" cy="431800"/>
+            </a:xfrm>
+            <a:prstGeom prst="rect">
+              <a:avLst/>
+            </a:prstGeom>
+            <a:solidFill>
+              <a:schemeClr val="bg1"/>
+            </a:solidFill>
+          </p:spPr>
+          <p:style>
+            <a:lnRef idx="2">
+              <a:schemeClr val="accent1">
+                <a:shade val="15000"/>
+              </a:schemeClr>
+            </a:lnRef>
+            <a:fillRef idx="1">
+              <a:schemeClr val="accent1"/>
+            </a:fillRef>
+            <a:effectRef idx="0">
+              <a:schemeClr val="accent1"/>
+            </a:effectRef>
+            <a:fontRef idx="minor">
+              <a:schemeClr val="lt1"/>
+            </a:fontRef>
+          </p:style>
+          <p:txBody>
+            <a:bodyPr rtlCol="0" anchor="ctr"/>
+            <a:lstStyle/>
+            <a:p>
+              <a:pPr algn="ctr"/>
+              <a:r>
+                <a:rPr lang="pt-BR" sz="1400" dirty="0">
+                  <a:solidFill>
+                    <a:schemeClr val="tx1"/>
+                  </a:solidFill>
+                </a:rPr>
+                <a:t>Selic </a:t>
+              </a:r>
+            </a:p>
+          </p:txBody>
+        </p:sp>
+        <p:sp>
+          <p:nvSpPr>
+            <p:cNvPr id="35" name="Retângulo 34">
+              <a:extLst>
+                <a:ext uri="{FF2B5EF4-FFF2-40B4-BE49-F238E27FC236}">
+                  <a16:creationId xmlns:a16="http://schemas.microsoft.com/office/drawing/2014/main" id="{4455FADC-B645-CC7B-B521-A59EDDBB786F}"/>
+                </a:ext>
+              </a:extLst>
+            </p:cNvPr>
+            <p:cNvSpPr/>
+            <p:nvPr/>
+          </p:nvSpPr>
+          <p:spPr>
+            <a:xfrm>
+              <a:off x="787400" y="3568699"/>
+              <a:ext cx="2425700" cy="967907"/>
+            </a:xfrm>
+            <a:prstGeom prst="rect">
+              <a:avLst/>
+            </a:prstGeom>
+            <a:solidFill>
+              <a:schemeClr val="bg1"/>
+            </a:solidFill>
+          </p:spPr>
+          <p:style>
+            <a:lnRef idx="2">
+              <a:schemeClr val="accent1">
+                <a:shade val="15000"/>
+              </a:schemeClr>
+            </a:lnRef>
+            <a:fillRef idx="1">
+              <a:schemeClr val="accent1"/>
+            </a:fillRef>
+            <a:effectRef idx="0">
+              <a:schemeClr val="accent1"/>
+            </a:effectRef>
+            <a:fontRef idx="minor">
+              <a:schemeClr val="lt1"/>
+            </a:fontRef>
+          </p:style>
+          <p:txBody>
+            <a:bodyPr rtlCol="0" anchor="ctr"/>
+            <a:lstStyle/>
+            <a:p>
+              <a:endParaRPr lang="pt-BR" sz="1000" b="1" dirty="0">
+                <a:solidFill>
+                  <a:schemeClr val="tx1"/>
+                </a:solidFill>
+              </a:endParaRPr>
+            </a:p>
+            <a:p>
+              <a:pPr algn="ctr"/>
+              <a:r>
+                <a:rPr lang="pt-BR" dirty="0"/>
+                <a:t>-</a:t>
+              </a:r>
+            </a:p>
+          </p:txBody>
+        </p:sp>
+      </p:grpSp>
+      <p:grpSp>
+        <p:nvGrpSpPr>
+          <p:cNvPr id="48" name="Agrupar 47">
+            <a:extLst>
+              <a:ext uri="{FF2B5EF4-FFF2-40B4-BE49-F238E27FC236}">
+                <a16:creationId xmlns:a16="http://schemas.microsoft.com/office/drawing/2014/main" id="{293C447B-3FDC-D117-45CA-B02E64072A89}"/>
+              </a:ext>
+            </a:extLst>
+          </p:cNvPr>
+          <p:cNvGrpSpPr/>
+          <p:nvPr/>
+        </p:nvGrpSpPr>
+        <p:grpSpPr>
+          <a:xfrm>
+            <a:off x="5226175" y="1077242"/>
+            <a:ext cx="1885952" cy="1734420"/>
+            <a:chOff x="787400" y="1028700"/>
+            <a:chExt cx="2425700" cy="3507906"/>
+          </a:xfrm>
+        </p:grpSpPr>
+        <p:sp>
+          <p:nvSpPr>
+            <p:cNvPr id="68" name="Retângulo 67">
+              <a:extLst>
+                <a:ext uri="{FF2B5EF4-FFF2-40B4-BE49-F238E27FC236}">
+                  <a16:creationId xmlns:a16="http://schemas.microsoft.com/office/drawing/2014/main" id="{065F979A-D769-6B35-C287-E0A5CE94C961}"/>
+                </a:ext>
+              </a:extLst>
+            </p:cNvPr>
+            <p:cNvSpPr/>
+            <p:nvPr/>
+          </p:nvSpPr>
+          <p:spPr>
+            <a:xfrm>
+              <a:off x="787400" y="1460500"/>
+              <a:ext cx="2425700" cy="2108200"/>
+            </a:xfrm>
+            <a:prstGeom prst="rect">
+              <a:avLst/>
+            </a:prstGeom>
+            <a:solidFill>
+              <a:schemeClr val="bg1"/>
+            </a:solidFill>
+          </p:spPr>
+          <p:style>
+            <a:lnRef idx="2">
+              <a:schemeClr val="accent1">
+                <a:shade val="15000"/>
+              </a:schemeClr>
+            </a:lnRef>
+            <a:fillRef idx="1">
+              <a:schemeClr val="accent1"/>
+            </a:fillRef>
+            <a:effectRef idx="0">
+              <a:schemeClr val="accent1"/>
+            </a:effectRef>
+            <a:fontRef idx="minor">
+              <a:schemeClr val="lt1"/>
+            </a:fontRef>
+          </p:style>
+          <p:txBody>
+            <a:bodyPr rtlCol="0" anchor="ctr"/>
+            <a:lstStyle/>
+            <a:p>
+              <a:pPr algn="ctr"/>
+              <a:r>
+                <a:rPr lang="pt-BR" dirty="0"/>
+                <a:t>U</a:t>
+              </a:r>
+            </a:p>
+          </p:txBody>
+        </p:sp>
+        <p:sp>
+          <p:nvSpPr>
+            <p:cNvPr id="69" name="Retângulo 68">
+              <a:extLst>
+                <a:ext uri="{FF2B5EF4-FFF2-40B4-BE49-F238E27FC236}">
+                  <a16:creationId xmlns:a16="http://schemas.microsoft.com/office/drawing/2014/main" id="{35D7CBC3-6D9C-0375-EFAD-F851E160E4AD}"/>
+                </a:ext>
+              </a:extLst>
+            </p:cNvPr>
+            <p:cNvSpPr/>
+            <p:nvPr/>
+          </p:nvSpPr>
+          <p:spPr>
+            <a:xfrm>
+              <a:off x="787400" y="1028700"/>
+              <a:ext cx="2425700" cy="431800"/>
+            </a:xfrm>
+            <a:prstGeom prst="rect">
+              <a:avLst/>
+            </a:prstGeom>
+            <a:solidFill>
+              <a:schemeClr val="bg1"/>
+            </a:solidFill>
+          </p:spPr>
+          <p:style>
+            <a:lnRef idx="2">
+              <a:schemeClr val="accent1">
+                <a:shade val="15000"/>
+              </a:schemeClr>
+            </a:lnRef>
+            <a:fillRef idx="1">
+              <a:schemeClr val="accent1"/>
+            </a:fillRef>
+            <a:effectRef idx="0">
+              <a:schemeClr val="accent1"/>
+            </a:effectRef>
+            <a:fontRef idx="minor">
+              <a:schemeClr val="lt1"/>
+            </a:fontRef>
+          </p:style>
+          <p:txBody>
+            <a:bodyPr rtlCol="0" anchor="ctr"/>
+            <a:lstStyle/>
+            <a:p>
+              <a:pPr algn="ctr"/>
+              <a:r>
+                <a:rPr lang="pt-BR" sz="1400" dirty="0">
+                  <a:solidFill>
+                    <a:schemeClr val="tx1"/>
+                  </a:solidFill>
+                </a:rPr>
+                <a:t>&lt;&lt;</a:t>
+              </a:r>
+              <a:r>
+                <a:rPr lang="pt-BR" sz="1400" dirty="0" err="1">
+                  <a:solidFill>
+                    <a:schemeClr val="tx1"/>
+                  </a:solidFill>
+                </a:rPr>
+                <a:t>Tesouro_direto</a:t>
+              </a:r>
+              <a:r>
+                <a:rPr lang="pt-BR" sz="1400" dirty="0">
+                  <a:solidFill>
+                    <a:schemeClr val="tx1"/>
+                  </a:solidFill>
+                </a:rPr>
+                <a:t>&gt;&gt;</a:t>
+              </a:r>
+            </a:p>
+          </p:txBody>
+        </p:sp>
+        <p:sp>
+          <p:nvSpPr>
+            <p:cNvPr id="71" name="Retângulo 70">
+              <a:extLst>
+                <a:ext uri="{FF2B5EF4-FFF2-40B4-BE49-F238E27FC236}">
+                  <a16:creationId xmlns:a16="http://schemas.microsoft.com/office/drawing/2014/main" id="{26E97810-DDF5-C007-35CD-CF84C2ED7DC3}"/>
+                </a:ext>
+              </a:extLst>
+            </p:cNvPr>
+            <p:cNvSpPr/>
+            <p:nvPr/>
+          </p:nvSpPr>
+          <p:spPr>
+            <a:xfrm>
+              <a:off x="787400" y="3568699"/>
+              <a:ext cx="2425700" cy="967907"/>
+            </a:xfrm>
+            <a:prstGeom prst="rect">
+              <a:avLst/>
+            </a:prstGeom>
+            <a:solidFill>
+              <a:schemeClr val="bg1"/>
+            </a:solidFill>
+          </p:spPr>
+          <p:style>
+            <a:lnRef idx="2">
+              <a:schemeClr val="accent1">
+                <a:shade val="15000"/>
+              </a:schemeClr>
+            </a:lnRef>
+            <a:fillRef idx="1">
+              <a:schemeClr val="accent1"/>
+            </a:fillRef>
+            <a:effectRef idx="0">
+              <a:schemeClr val="accent1"/>
+            </a:effectRef>
+            <a:fontRef idx="minor">
+              <a:schemeClr val="lt1"/>
+            </a:fontRef>
+          </p:style>
+          <p:txBody>
+            <a:bodyPr rtlCol="0" anchor="ctr"/>
+            <a:lstStyle/>
+            <a:p>
+              <a:endParaRPr lang="pt-BR" sz="1000" b="1" dirty="0">
+                <a:solidFill>
+                  <a:schemeClr val="tx1"/>
+                </a:solidFill>
+              </a:endParaRPr>
+            </a:p>
+            <a:p>
+              <a:endParaRPr lang="pt-BR" sz="1000" b="1" dirty="0">
+                <a:solidFill>
+                  <a:schemeClr val="tx1"/>
+                </a:solidFill>
+              </a:endParaRPr>
+            </a:p>
+            <a:p>
+              <a:pPr algn="ctr"/>
+              <a:r>
+                <a:rPr lang="pt-BR" dirty="0"/>
+                <a:t>-</a:t>
+              </a:r>
+            </a:p>
+          </p:txBody>
+        </p:sp>
+      </p:grpSp>
+      <p:cxnSp>
+        <p:nvCxnSpPr>
+          <p:cNvPr id="73" name="Conector de Seta Reta 72">
+            <a:extLst>
+              <a:ext uri="{FF2B5EF4-FFF2-40B4-BE49-F238E27FC236}">
+                <a16:creationId xmlns:a16="http://schemas.microsoft.com/office/drawing/2014/main" id="{94270AB1-217B-7D8C-C578-AB69CBBF7B00}"/>
+              </a:ext>
+            </a:extLst>
+          </p:cNvPr>
+          <p:cNvCxnSpPr>
+            <a:stCxn id="12" idx="0"/>
+            <a:endCxn id="71" idx="2"/>
+          </p:cNvCxnSpPr>
+          <p:nvPr/>
+        </p:nvCxnSpPr>
+        <p:spPr>
+          <a:xfrm flipV="1">
+            <a:off x="6169151" y="2811662"/>
+            <a:ext cx="0" cy="1047048"/>
+          </a:xfrm>
+          <a:prstGeom prst="straightConnector1">
+            <a:avLst/>
+          </a:prstGeom>
+          <a:ln w="28575">
+            <a:solidFill>
+              <a:schemeClr val="tx1"/>
+            </a:solidFill>
+            <a:tailEnd type="triangle"/>
+          </a:ln>
+        </p:spPr>
+        <p:style>
+          <a:lnRef idx="1">
+            <a:schemeClr val="accent1"/>
+          </a:lnRef>
+          <a:fillRef idx="0">
+            <a:schemeClr val="accent1"/>
+          </a:fillRef>
+          <a:effectRef idx="0">
+            <a:schemeClr val="accent1"/>
+          </a:effectRef>
+          <a:fontRef idx="minor">
+            <a:schemeClr val="tx1"/>
+          </a:fontRef>
+        </p:style>
+      </p:cxnSp>
+      <p:cxnSp>
+        <p:nvCxnSpPr>
+          <p:cNvPr id="76" name="Conector: Angulado 75">
+            <a:extLst>
+              <a:ext uri="{FF2B5EF4-FFF2-40B4-BE49-F238E27FC236}">
+                <a16:creationId xmlns:a16="http://schemas.microsoft.com/office/drawing/2014/main" id="{1B221219-949D-6F59-B9BE-89D2A996471C}"/>
+              </a:ext>
+            </a:extLst>
+          </p:cNvPr>
+          <p:cNvCxnSpPr>
+            <a:cxnSpLocks/>
+            <a:stCxn id="26" idx="0"/>
+          </p:cNvCxnSpPr>
+          <p:nvPr/>
+        </p:nvCxnSpPr>
+        <p:spPr>
+          <a:xfrm rot="5400000" flipH="1" flipV="1">
+            <a:off x="5657566" y="318442"/>
+            <a:ext cx="635330" cy="6445207"/>
+          </a:xfrm>
+          <a:prstGeom prst="bentConnector2">
+            <a:avLst/>
+          </a:prstGeom>
+          <a:ln w="28575">
+            <a:solidFill>
+              <a:schemeClr val="tx1"/>
+            </a:solidFill>
+            <a:headEnd type="none" w="med" len="med"/>
+            <a:tailEnd type="none" w="med" len="med"/>
+          </a:ln>
+        </p:spPr>
+        <p:style>
+          <a:lnRef idx="1">
+            <a:schemeClr val="accent1"/>
+          </a:lnRef>
+          <a:fillRef idx="0">
+            <a:schemeClr val="accent1"/>
+          </a:fillRef>
+          <a:effectRef idx="0">
+            <a:schemeClr val="accent1"/>
+          </a:effectRef>
+          <a:fontRef idx="minor">
+            <a:schemeClr val="tx1"/>
+          </a:fontRef>
+        </p:style>
+      </p:cxnSp>
+      <p:cxnSp>
+        <p:nvCxnSpPr>
+          <p:cNvPr id="80" name="Conector: Angulado 79">
+            <a:extLst>
+              <a:ext uri="{FF2B5EF4-FFF2-40B4-BE49-F238E27FC236}">
+                <a16:creationId xmlns:a16="http://schemas.microsoft.com/office/drawing/2014/main" id="{3C289F60-A67D-0A56-7830-E5140E8B8634}"/>
+              </a:ext>
+            </a:extLst>
+          </p:cNvPr>
+          <p:cNvCxnSpPr>
+            <a:cxnSpLocks/>
+            <a:stCxn id="28" idx="0"/>
+          </p:cNvCxnSpPr>
+          <p:nvPr/>
+        </p:nvCxnSpPr>
+        <p:spPr>
+          <a:xfrm rot="16200000" flipV="1">
+            <a:off x="8306190" y="2725528"/>
+            <a:ext cx="635330" cy="1631033"/>
+          </a:xfrm>
+          <a:prstGeom prst="bentConnector2">
+            <a:avLst/>
+          </a:prstGeom>
+          <a:ln w="28575">
+            <a:solidFill>
+              <a:schemeClr val="tx1"/>
+            </a:solidFill>
+            <a:headEnd type="none" w="med" len="med"/>
+            <a:tailEnd type="none" w="med" len="med"/>
+          </a:ln>
+        </p:spPr>
+        <p:style>
+          <a:lnRef idx="1">
+            <a:schemeClr val="accent1"/>
+          </a:lnRef>
+          <a:fillRef idx="0">
+            <a:schemeClr val="accent1"/>
+          </a:fillRef>
+          <a:effectRef idx="0">
+            <a:schemeClr val="accent1"/>
+          </a:effectRef>
+          <a:fontRef idx="minor">
+            <a:schemeClr val="tx1"/>
+          </a:fontRef>
+        </p:style>
+      </p:cxnSp>
+      <p:sp>
+        <p:nvSpPr>
+          <p:cNvPr id="59" name="CaixaDeTexto 58">
+            <a:extLst>
+              <a:ext uri="{FF2B5EF4-FFF2-40B4-BE49-F238E27FC236}">
+                <a16:creationId xmlns:a16="http://schemas.microsoft.com/office/drawing/2014/main" id="{F38718BD-8B22-988B-1323-99210DB98A18}"/>
               </a:ext>
             </a:extLst>
           </p:cNvPr>
@@ -5042,8 +7955,8 @@
         </p:nvSpPr>
         <p:spPr>
           <a:xfrm>
-            <a:off x="5640155" y="2518919"/>
-            <a:ext cx="307524" cy="261610"/>
+            <a:off x="5228304" y="1317434"/>
+            <a:ext cx="1735391" cy="1384995"/>
           </a:xfrm>
           <a:prstGeom prst="rect">
             <a:avLst/>
@@ -5051,95 +7964,10 @@
           <a:noFill/>
         </p:spPr>
         <p:txBody>
-          <a:bodyPr wrap="square">
-            <a:spAutoFit/>
-          </a:bodyPr>
-          <a:lstStyle/>
-          <a:p>
-            <a:r>
-              <a:rPr lang="pt-BR" sz="1050" dirty="0"/>
-              <a:t>1</a:t>
-            </a:r>
-          </a:p>
-        </p:txBody>
-      </p:sp>
-      <p:sp>
-        <p:nvSpPr>
-          <p:cNvPr id="56" name="CaixaDeTexto 55">
-            <a:extLst>
-              <a:ext uri="{FF2B5EF4-FFF2-40B4-BE49-F238E27FC236}">
-                <a16:creationId xmlns:a16="http://schemas.microsoft.com/office/drawing/2014/main" id="{C8072D21-AF52-1C94-0C08-32D614C5282F}"/>
-              </a:ext>
-            </a:extLst>
-          </p:cNvPr>
-          <p:cNvSpPr txBox="1"/>
-          <p:nvPr/>
-        </p:nvSpPr>
-        <p:spPr>
-          <a:xfrm>
-            <a:off x="8186057" y="2530400"/>
-            <a:ext cx="307524" cy="261610"/>
-          </a:xfrm>
-          <a:prstGeom prst="rect">
-            <a:avLst/>
-          </a:prstGeom>
-          <a:noFill/>
-        </p:spPr>
-        <p:txBody>
-          <a:bodyPr wrap="square">
-            <a:spAutoFit/>
-          </a:bodyPr>
-          <a:lstStyle/>
-          <a:p>
-            <a:r>
-              <a:rPr lang="pt-BR" sz="1050" dirty="0"/>
-              <a:t>1</a:t>
-            </a:r>
-          </a:p>
-        </p:txBody>
-      </p:sp>
-      <p:sp>
-        <p:nvSpPr>
-          <p:cNvPr id="57" name="CaixaDeTexto 56">
-            <a:extLst>
-              <a:ext uri="{FF2B5EF4-FFF2-40B4-BE49-F238E27FC236}">
-                <a16:creationId xmlns:a16="http://schemas.microsoft.com/office/drawing/2014/main" id="{1914F47C-F800-A034-A83C-6B0BBB7A8595}"/>
-              </a:ext>
-            </a:extLst>
-          </p:cNvPr>
-          <p:cNvSpPr txBox="1"/>
-          <p:nvPr/>
-        </p:nvSpPr>
-        <p:spPr>
-          <a:xfrm>
-            <a:off x="3708650" y="2245706"/>
-            <a:ext cx="1263432" cy="1200329"/>
-          </a:xfrm>
-          <a:prstGeom prst="rect">
-            <a:avLst/>
-          </a:prstGeom>
-          <a:noFill/>
-        </p:spPr>
-        <p:txBody>
           <a:bodyPr wrap="square" rtlCol="0">
             <a:spAutoFit/>
           </a:bodyPr>
           <a:lstStyle/>
-          <a:p>
-            <a:r>
-              <a:rPr lang="pt-BR" sz="1200" b="1" dirty="0"/>
-              <a:t>-    Id</a:t>
-            </a:r>
-            <a:r>
-              <a:rPr lang="pt-BR" sz="1200" dirty="0"/>
-              <a:t>: </a:t>
-            </a:r>
-            <a:r>
-              <a:rPr lang="pt-BR" sz="1200" dirty="0" err="1"/>
-              <a:t>int</a:t>
-            </a:r>
-            <a:endParaRPr lang="pt-BR" sz="1200" dirty="0"/>
-          </a:p>
           <a:p>
             <a:pPr marL="171450" indent="-171450">
               <a:buFontTx/>
@@ -5147,15 +7975,11 @@
             </a:pPr>
             <a:r>
               <a:rPr lang="pt-BR" sz="1200" b="1" dirty="0"/>
-              <a:t>nome:</a:t>
-            </a:r>
-            <a:r>
-              <a:rPr lang="pt-BR" sz="1200" dirty="0"/>
-              <a:t> </a:t>
+              <a:t>id: </a:t>
             </a:r>
             <a:r>
               <a:rPr lang="pt-BR" sz="1200" dirty="0" err="1"/>
-              <a:t>str</a:t>
+              <a:t>int</a:t>
             </a:r>
             <a:endParaRPr lang="pt-BR" sz="1200" dirty="0"/>
           </a:p>
@@ -5165,17 +7989,23 @@
               <a:buChar char="-"/>
             </a:pPr>
             <a:r>
-              <a:rPr lang="pt-BR" sz="1200" b="1" dirty="0"/>
-              <a:t>Email:</a:t>
+              <a:rPr lang="pt-BR" sz="1200" dirty="0" err="1"/>
+              <a:t>comprar_titulo</a:t>
             </a:r>
             <a:r>
               <a:rPr lang="pt-BR" sz="1200" dirty="0"/>
-              <a:t> </a:t>
+              <a:t>: </a:t>
             </a:r>
             <a:r>
               <a:rPr lang="pt-BR" sz="1200" dirty="0" err="1"/>
               <a:t>str</a:t>
             </a:r>
+            <a:endParaRPr lang="pt-BR" sz="1200" dirty="0"/>
+          </a:p>
+          <a:p>
+            <a:endParaRPr lang="pt-BR" sz="1200" dirty="0"/>
+          </a:p>
+          <a:p>
             <a:endParaRPr lang="pt-BR" sz="1200" dirty="0"/>
           </a:p>
           <a:p>
@@ -5183,14 +8013,6 @@
               <a:buFontTx/>
               <a:buChar char="-"/>
             </a:pPr>
-            <a:r>
-              <a:rPr lang="pt-BR" sz="1200" b="1" dirty="0"/>
-              <a:t>Senha: </a:t>
-            </a:r>
-            <a:r>
-              <a:rPr lang="pt-BR" sz="1200" dirty="0" err="1"/>
-              <a:t>str</a:t>
-            </a:r>
             <a:endParaRPr lang="pt-BR" sz="1200" dirty="0"/>
           </a:p>
           <a:p>
@@ -5205,209 +8027,10 @@
           </a:p>
         </p:txBody>
       </p:sp>
-      <p:sp>
-        <p:nvSpPr>
-          <p:cNvPr id="58" name="CaixaDeTexto 57">
-            <a:extLst>
-              <a:ext uri="{FF2B5EF4-FFF2-40B4-BE49-F238E27FC236}">
-                <a16:creationId xmlns:a16="http://schemas.microsoft.com/office/drawing/2014/main" id="{4B8E346A-3A68-F5DE-F361-4E42F272E11E}"/>
-              </a:ext>
-            </a:extLst>
-          </p:cNvPr>
-          <p:cNvSpPr txBox="1"/>
-          <p:nvPr/>
-        </p:nvSpPr>
-        <p:spPr>
-          <a:xfrm>
-            <a:off x="6356896" y="2223815"/>
-            <a:ext cx="1263432" cy="830997"/>
-          </a:xfrm>
-          <a:prstGeom prst="rect">
-            <a:avLst/>
-          </a:prstGeom>
-          <a:noFill/>
-        </p:spPr>
-        <p:txBody>
-          <a:bodyPr wrap="square" rtlCol="0">
-            <a:spAutoFit/>
-          </a:bodyPr>
-          <a:lstStyle/>
-          <a:p>
-            <a:r>
-              <a:rPr lang="pt-BR" sz="1200" dirty="0"/>
-              <a:t>- id: </a:t>
-            </a:r>
-            <a:r>
-              <a:rPr lang="pt-BR" sz="1200" dirty="0" err="1"/>
-              <a:t>int</a:t>
-            </a:r>
-            <a:endParaRPr lang="pt-BR" sz="1200" dirty="0"/>
-          </a:p>
-          <a:p>
-            <a:r>
-              <a:rPr lang="pt-BR" sz="1200" dirty="0"/>
-              <a:t>- nome: </a:t>
-            </a:r>
-            <a:r>
-              <a:rPr lang="pt-BR" sz="1200" dirty="0" err="1"/>
-              <a:t>str</a:t>
-            </a:r>
-            <a:endParaRPr lang="pt-BR" sz="1200" dirty="0"/>
-          </a:p>
-          <a:p>
-            <a:endParaRPr lang="pt-BR" sz="1200" dirty="0"/>
-          </a:p>
-          <a:p>
-            <a:pPr marL="285750" indent="-285750">
-              <a:buFontTx/>
-              <a:buChar char="-"/>
-            </a:pPr>
-            <a:endParaRPr lang="pt-BR" sz="1200" dirty="0"/>
-          </a:p>
-        </p:txBody>
-      </p:sp>
-      <p:sp>
-        <p:nvSpPr>
-          <p:cNvPr id="59" name="CaixaDeTexto 58">
-            <a:extLst>
-              <a:ext uri="{FF2B5EF4-FFF2-40B4-BE49-F238E27FC236}">
-                <a16:creationId xmlns:a16="http://schemas.microsoft.com/office/drawing/2014/main" id="{603088BB-099F-ADF6-1A1C-0A69875EF51D}"/>
-              </a:ext>
-            </a:extLst>
-          </p:cNvPr>
-          <p:cNvSpPr txBox="1"/>
-          <p:nvPr/>
-        </p:nvSpPr>
-        <p:spPr>
-          <a:xfrm>
-            <a:off x="8913560" y="2223815"/>
-            <a:ext cx="1263432" cy="830997"/>
-          </a:xfrm>
-          <a:prstGeom prst="rect">
-            <a:avLst/>
-          </a:prstGeom>
-          <a:noFill/>
-        </p:spPr>
-        <p:txBody>
-          <a:bodyPr wrap="square" rtlCol="0">
-            <a:spAutoFit/>
-          </a:bodyPr>
-          <a:lstStyle/>
-          <a:p>
-            <a:r>
-              <a:rPr lang="pt-BR" sz="1200" dirty="0"/>
-              <a:t>- id: </a:t>
-            </a:r>
-            <a:r>
-              <a:rPr lang="pt-BR" sz="1200" dirty="0" err="1"/>
-              <a:t>int</a:t>
-            </a:r>
-            <a:endParaRPr lang="pt-BR" sz="1200" dirty="0"/>
-          </a:p>
-          <a:p>
-            <a:r>
-              <a:rPr lang="pt-BR" sz="1200" dirty="0"/>
-              <a:t>- nome: </a:t>
-            </a:r>
-            <a:r>
-              <a:rPr lang="pt-BR" sz="1200" dirty="0" err="1"/>
-              <a:t>str</a:t>
-            </a:r>
-            <a:endParaRPr lang="pt-BR" sz="1200" dirty="0"/>
-          </a:p>
-          <a:p>
-            <a:endParaRPr lang="pt-BR" sz="1200" dirty="0"/>
-          </a:p>
-          <a:p>
-            <a:pPr marL="285750" indent="-285750">
-              <a:buFontTx/>
-              <a:buChar char="-"/>
-            </a:pPr>
-            <a:endParaRPr lang="pt-BR" sz="1200" dirty="0"/>
-          </a:p>
-        </p:txBody>
-      </p:sp>
-      <p:sp>
-        <p:nvSpPr>
-          <p:cNvPr id="60" name="CaixaDeTexto 59">
-            <a:extLst>
-              <a:ext uri="{FF2B5EF4-FFF2-40B4-BE49-F238E27FC236}">
-                <a16:creationId xmlns:a16="http://schemas.microsoft.com/office/drawing/2014/main" id="{5696FBD6-0AB7-C8C0-BDA0-1F97CC7E4862}"/>
-              </a:ext>
-            </a:extLst>
-          </p:cNvPr>
-          <p:cNvSpPr txBox="1"/>
-          <p:nvPr/>
-        </p:nvSpPr>
-        <p:spPr>
-          <a:xfrm>
-            <a:off x="3428800" y="4386608"/>
-            <a:ext cx="6477000" cy="1200329"/>
-          </a:xfrm>
-          <a:prstGeom prst="rect">
-            <a:avLst/>
-          </a:prstGeom>
-          <a:noFill/>
-        </p:spPr>
-        <p:txBody>
-          <a:bodyPr wrap="square" rtlCol="0">
-            <a:spAutoFit/>
-          </a:bodyPr>
-          <a:lstStyle/>
-          <a:p>
-            <a:r>
-              <a:rPr lang="pt-BR" b="1" dirty="0"/>
-              <a:t>Classes: </a:t>
-            </a:r>
-            <a:r>
-              <a:rPr lang="pt-BR" dirty="0"/>
-              <a:t>Rede Social, Usuário, Postagens e Comentários</a:t>
-            </a:r>
-          </a:p>
-          <a:p>
-            <a:endParaRPr lang="pt-BR" dirty="0"/>
-          </a:p>
-          <a:p>
-            <a:r>
-              <a:rPr lang="pt-BR" dirty="0"/>
-              <a:t>Rede Social </a:t>
-            </a:r>
-            <a:r>
-              <a:rPr lang="pt-BR" dirty="0">
-                <a:sym typeface="Wingdings" panose="05000000000000000000" pitchFamily="2" charset="2"/>
-              </a:rPr>
-              <a:t></a:t>
-            </a:r>
-            <a:r>
-              <a:rPr lang="pt-BR" dirty="0"/>
-              <a:t>Atributos: </a:t>
-            </a:r>
-            <a:r>
-              <a:rPr lang="pt-BR" dirty="0" err="1"/>
-              <a:t>id:int,nome:str</a:t>
-            </a:r>
-            <a:r>
-              <a:rPr lang="pt-BR" dirty="0"/>
-              <a:t>, </a:t>
-            </a:r>
-            <a:r>
-              <a:rPr lang="pt-BR" dirty="0" err="1"/>
-              <a:t>email:str,senha:str</a:t>
-            </a:r>
-            <a:endParaRPr lang="pt-BR" dirty="0"/>
-          </a:p>
-          <a:p>
-            <a:r>
-              <a:rPr lang="pt-BR" dirty="0"/>
-              <a:t>Métodos:</a:t>
-            </a:r>
-          </a:p>
-        </p:txBody>
-      </p:sp>
     </p:spTree>
     <p:extLst>
       <p:ext uri="{BB962C8B-B14F-4D97-AF65-F5344CB8AC3E}">
-        <p14:creationId xmlns:p14="http://schemas.microsoft.com/office/powerpoint/2010/main" val="2901943708"/>
+        <p14:creationId xmlns:p14="http://schemas.microsoft.com/office/powerpoint/2010/main" val="294983523"/>
       </p:ext>
     </p:extLst>
   </p:cSld>
